--- a/Creo MO - Dynamic_CSYS.pptx
+++ b/Creo MO - Dynamic_CSYS.pptx
@@ -13,7 +13,11 @@
     <p:sldId id="259" r:id="rId7"/>
     <p:sldId id="264" r:id="rId8"/>
     <p:sldId id="265" r:id="rId9"/>
-    <p:sldId id="263" r:id="rId10"/>
+    <p:sldId id="267" r:id="rId10"/>
+    <p:sldId id="268" r:id="rId11"/>
+    <p:sldId id="269" r:id="rId12"/>
+    <p:sldId id="270" r:id="rId13"/>
+    <p:sldId id="263" r:id="rId14"/>
   </p:sldIdLst>
   <p:sldSz cx="12192000" cy="6858000"/>
   <p:notesSz cx="6858000" cy="9144000"/>
@@ -120,12 +124,959 @@
 </p:presentation>
 </file>
 
-<file path=ppt/revisionInfo.xml><?xml version="1.0" encoding="utf-8"?>
-<p1510:revInfo xmlns:a="http://schemas.openxmlformats.org/drawingml/2006/main" xmlns:r="http://schemas.openxmlformats.org/officeDocument/2006/relationships" xmlns:p1510="http://schemas.microsoft.com/office/powerpoint/2015/10/main">
-  <p1510:revLst>
-    <p1510:client id="{546C60FE-E620-19A8-001D-CCEC938B8960}" v="3" dt="2024-07-23T16:00:47.281"/>
-  </p1510:revLst>
-</p1510:revInfo>
+<file path=ppt/changesInfos/changesInfo1.xml><?xml version="1.0" encoding="utf-8"?>
+<pc:chgInfo xmlns:a="http://schemas.openxmlformats.org/drawingml/2006/main" xmlns:r="http://schemas.openxmlformats.org/officeDocument/2006/relationships" xmlns:ac="http://schemas.microsoft.com/office/drawing/2013/main/command" xmlns:pc="http://schemas.microsoft.com/office/powerpoint/2013/main/command">
+  <pc:docChgLst>
+    <pc:chgData name="Justin Jones" userId="S::justin.jones@cnpcusa.com::d548d167-3381-4d70-866b-4efa696e272f" providerId="AD" clId="Web-{86DBD92B-579E-B8D3-6463-83F6FBCFF2A4}"/>
+    <pc:docChg chg="addSld modSld">
+      <pc:chgData name="Justin Jones" userId="S::justin.jones@cnpcusa.com::d548d167-3381-4d70-866b-4efa696e272f" providerId="AD" clId="Web-{86DBD92B-579E-B8D3-6463-83F6FBCFF2A4}" dt="2024-06-26T18:23:00.870" v="19" actId="1076"/>
+      <pc:docMkLst>
+        <pc:docMk/>
+      </pc:docMkLst>
+      <pc:sldChg chg="delSp modSp new">
+        <pc:chgData name="Justin Jones" userId="S::justin.jones@cnpcusa.com::d548d167-3381-4d70-866b-4efa696e272f" providerId="AD" clId="Web-{86DBD92B-579E-B8D3-6463-83F6FBCFF2A4}" dt="2024-06-26T16:14:44.639" v="10" actId="1076"/>
+        <pc:sldMkLst>
+          <pc:docMk/>
+          <pc:sldMk cId="3614653100" sldId="263"/>
+        </pc:sldMkLst>
+        <pc:spChg chg="mod">
+          <ac:chgData name="Justin Jones" userId="S::justin.jones@cnpcusa.com::d548d167-3381-4d70-866b-4efa696e272f" providerId="AD" clId="Web-{86DBD92B-579E-B8D3-6463-83F6FBCFF2A4}" dt="2024-06-26T16:14:44.639" v="10" actId="1076"/>
+          <ac:spMkLst>
+            <pc:docMk/>
+            <pc:sldMk cId="3614653100" sldId="263"/>
+            <ac:spMk id="2" creationId="{16055984-C5B8-5B84-88F9-FBAD33C2F368}"/>
+          </ac:spMkLst>
+        </pc:spChg>
+        <pc:spChg chg="del">
+          <ac:chgData name="Justin Jones" userId="S::justin.jones@cnpcusa.com::d548d167-3381-4d70-866b-4efa696e272f" providerId="AD" clId="Web-{86DBD92B-579E-B8D3-6463-83F6FBCFF2A4}" dt="2024-06-26T16:14:29.686" v="1"/>
+          <ac:spMkLst>
+            <pc:docMk/>
+            <pc:sldMk cId="3614653100" sldId="263"/>
+            <ac:spMk id="3" creationId="{237B7871-1D99-5ACD-C8B4-24374100D623}"/>
+          </ac:spMkLst>
+        </pc:spChg>
+      </pc:sldChg>
+      <pc:sldChg chg="addSp delSp modSp add replId">
+        <pc:chgData name="Justin Jones" userId="S::justin.jones@cnpcusa.com::d548d167-3381-4d70-866b-4efa696e272f" providerId="AD" clId="Web-{86DBD92B-579E-B8D3-6463-83F6FBCFF2A4}" dt="2024-06-26T18:23:00.870" v="19" actId="1076"/>
+        <pc:sldMkLst>
+          <pc:docMk/>
+          <pc:sldMk cId="2903164538" sldId="264"/>
+        </pc:sldMkLst>
+        <pc:spChg chg="del">
+          <ac:chgData name="Justin Jones" userId="S::justin.jones@cnpcusa.com::d548d167-3381-4d70-866b-4efa696e272f" providerId="AD" clId="Web-{86DBD92B-579E-B8D3-6463-83F6FBCFF2A4}" dt="2024-06-26T18:22:53.745" v="13"/>
+          <ac:spMkLst>
+            <pc:docMk/>
+            <pc:sldMk cId="2903164538" sldId="264"/>
+            <ac:spMk id="2" creationId="{1F6332E9-69BB-1518-20B0-503139146C67}"/>
+          </ac:spMkLst>
+        </pc:spChg>
+        <pc:spChg chg="del">
+          <ac:chgData name="Justin Jones" userId="S::justin.jones@cnpcusa.com::d548d167-3381-4d70-866b-4efa696e272f" providerId="AD" clId="Web-{86DBD92B-579E-B8D3-6463-83F6FBCFF2A4}" dt="2024-06-26T18:22:52.385" v="12"/>
+          <ac:spMkLst>
+            <pc:docMk/>
+            <pc:sldMk cId="2903164538" sldId="264"/>
+            <ac:spMk id="3" creationId="{5BFDA1E2-DACB-B107-DE39-D2A1201C9AA5}"/>
+          </ac:spMkLst>
+        </pc:spChg>
+        <pc:spChg chg="add del mod">
+          <ac:chgData name="Justin Jones" userId="S::justin.jones@cnpcusa.com::d548d167-3381-4d70-866b-4efa696e272f" providerId="AD" clId="Web-{86DBD92B-579E-B8D3-6463-83F6FBCFF2A4}" dt="2024-06-26T18:22:54.635" v="14"/>
+          <ac:spMkLst>
+            <pc:docMk/>
+            <pc:sldMk cId="2903164538" sldId="264"/>
+            <ac:spMk id="7" creationId="{81D89AC6-F03A-A501-83E1-500A4B84CE01}"/>
+          </ac:spMkLst>
+        </pc:spChg>
+        <pc:spChg chg="add del mod">
+          <ac:chgData name="Justin Jones" userId="S::justin.jones@cnpcusa.com::d548d167-3381-4d70-866b-4efa696e272f" providerId="AD" clId="Web-{86DBD92B-579E-B8D3-6463-83F6FBCFF2A4}" dt="2024-06-26T18:22:55.010" v="15"/>
+          <ac:spMkLst>
+            <pc:docMk/>
+            <pc:sldMk cId="2903164538" sldId="264"/>
+            <ac:spMk id="9" creationId="{EFE93D39-4B39-2DE0-EB8F-03C3557575DA}"/>
+          </ac:spMkLst>
+        </pc:spChg>
+        <pc:picChg chg="del">
+          <ac:chgData name="Justin Jones" userId="S::justin.jones@cnpcusa.com::d548d167-3381-4d70-866b-4efa696e272f" providerId="AD" clId="Web-{86DBD92B-579E-B8D3-6463-83F6FBCFF2A4}" dt="2024-06-26T18:22:55.760" v="16"/>
+          <ac:picMkLst>
+            <pc:docMk/>
+            <pc:sldMk cId="2903164538" sldId="264"/>
+            <ac:picMk id="4" creationId="{4386DFF2-9920-DF5C-FB69-8A6367C808C4}"/>
+          </ac:picMkLst>
+        </pc:picChg>
+        <pc:picChg chg="mod">
+          <ac:chgData name="Justin Jones" userId="S::justin.jones@cnpcusa.com::d548d167-3381-4d70-866b-4efa696e272f" providerId="AD" clId="Web-{86DBD92B-579E-B8D3-6463-83F6FBCFF2A4}" dt="2024-06-26T18:23:00.870" v="19" actId="1076"/>
+          <ac:picMkLst>
+            <pc:docMk/>
+            <pc:sldMk cId="2903164538" sldId="264"/>
+            <ac:picMk id="5" creationId="{5765FC7B-9EBF-5245-5A22-44D2599BD9AF}"/>
+          </ac:picMkLst>
+        </pc:picChg>
+      </pc:sldChg>
+    </pc:docChg>
+  </pc:docChgLst>
+  <pc:docChgLst>
+    <pc:chgData name="Justin Jones" userId="S::justin.jones@cnpcusa.com::d548d167-3381-4d70-866b-4efa696e272f" providerId="AD" clId="Web-{08B5C88A-65E0-5FB3-462B-10632AF4ACF9}"/>
+    <pc:docChg chg="addSld modSld">
+      <pc:chgData name="Justin Jones" userId="S::justin.jones@cnpcusa.com::d548d167-3381-4d70-866b-4efa696e272f" providerId="AD" clId="Web-{08B5C88A-65E0-5FB3-462B-10632AF4ACF9}" dt="2024-07-16T18:28:33.922" v="85" actId="1076"/>
+      <pc:docMkLst>
+        <pc:docMk/>
+      </pc:docMkLst>
+      <pc:sldChg chg="delSp modSp">
+        <pc:chgData name="Justin Jones" userId="S::justin.jones@cnpcusa.com::d548d167-3381-4d70-866b-4efa696e272f" providerId="AD" clId="Web-{08B5C88A-65E0-5FB3-462B-10632AF4ACF9}" dt="2024-07-16T18:28:25.079" v="81" actId="20577"/>
+        <pc:sldMkLst>
+          <pc:docMk/>
+          <pc:sldMk cId="2238481522" sldId="259"/>
+        </pc:sldMkLst>
+        <pc:spChg chg="mod">
+          <ac:chgData name="Justin Jones" userId="S::justin.jones@cnpcusa.com::d548d167-3381-4d70-866b-4efa696e272f" providerId="AD" clId="Web-{08B5C88A-65E0-5FB3-462B-10632AF4ACF9}" dt="2024-07-16T18:28:25.079" v="81" actId="20577"/>
+          <ac:spMkLst>
+            <pc:docMk/>
+            <pc:sldMk cId="2238481522" sldId="259"/>
+            <ac:spMk id="3" creationId="{5BFDA1E2-DACB-B107-DE39-D2A1201C9AA5}"/>
+          </ac:spMkLst>
+        </pc:spChg>
+        <pc:picChg chg="mod">
+          <ac:chgData name="Justin Jones" userId="S::justin.jones@cnpcusa.com::d548d167-3381-4d70-866b-4efa696e272f" providerId="AD" clId="Web-{08B5C88A-65E0-5FB3-462B-10632AF4ACF9}" dt="2024-07-16T18:27:51.141" v="76" actId="1076"/>
+          <ac:picMkLst>
+            <pc:docMk/>
+            <pc:sldMk cId="2238481522" sldId="259"/>
+            <ac:picMk id="4" creationId="{4386DFF2-9920-DF5C-FB69-8A6367C808C4}"/>
+          </ac:picMkLst>
+        </pc:picChg>
+        <pc:picChg chg="del">
+          <ac:chgData name="Justin Jones" userId="S::justin.jones@cnpcusa.com::d548d167-3381-4d70-866b-4efa696e272f" providerId="AD" clId="Web-{08B5C88A-65E0-5FB3-462B-10632AF4ACF9}" dt="2024-07-16T14:31:39.160" v="0"/>
+          <ac:picMkLst>
+            <pc:docMk/>
+            <pc:sldMk cId="2238481522" sldId="259"/>
+            <ac:picMk id="5" creationId="{5765FC7B-9EBF-5245-5A22-44D2599BD9AF}"/>
+          </ac:picMkLst>
+        </pc:picChg>
+      </pc:sldChg>
+      <pc:sldChg chg="modSp">
+        <pc:chgData name="Justin Jones" userId="S::justin.jones@cnpcusa.com::d548d167-3381-4d70-866b-4efa696e272f" providerId="AD" clId="Web-{08B5C88A-65E0-5FB3-462B-10632AF4ACF9}" dt="2024-07-16T18:28:33.922" v="85" actId="1076"/>
+        <pc:sldMkLst>
+          <pc:docMk/>
+          <pc:sldMk cId="3616584397" sldId="260"/>
+        </pc:sldMkLst>
+        <pc:spChg chg="mod">
+          <ac:chgData name="Justin Jones" userId="S::justin.jones@cnpcusa.com::d548d167-3381-4d70-866b-4efa696e272f" providerId="AD" clId="Web-{08B5C88A-65E0-5FB3-462B-10632AF4ACF9}" dt="2024-07-16T18:28:33.922" v="85" actId="1076"/>
+          <ac:spMkLst>
+            <pc:docMk/>
+            <pc:sldMk cId="3616584397" sldId="260"/>
+            <ac:spMk id="5" creationId="{BECC5715-81E0-AD2F-9298-7F3DB4ED3E3B}"/>
+          </ac:spMkLst>
+        </pc:spChg>
+        <pc:spChg chg="mod">
+          <ac:chgData name="Justin Jones" userId="S::justin.jones@cnpcusa.com::d548d167-3381-4d70-866b-4efa696e272f" providerId="AD" clId="Web-{08B5C88A-65E0-5FB3-462B-10632AF4ACF9}" dt="2024-07-16T18:28:33.907" v="83" actId="1076"/>
+          <ac:spMkLst>
+            <pc:docMk/>
+            <pc:sldMk cId="3616584397" sldId="260"/>
+            <ac:spMk id="10" creationId="{4D970A9A-4EB7-89C3-45BF-1B9A9A3EACF0}"/>
+          </ac:spMkLst>
+        </pc:spChg>
+        <pc:picChg chg="mod">
+          <ac:chgData name="Justin Jones" userId="S::justin.jones@cnpcusa.com::d548d167-3381-4d70-866b-4efa696e272f" providerId="AD" clId="Web-{08B5C88A-65E0-5FB3-462B-10632AF4ACF9}" dt="2024-07-16T18:28:33.922" v="84" actId="1076"/>
+          <ac:picMkLst>
+            <pc:docMk/>
+            <pc:sldMk cId="3616584397" sldId="260"/>
+            <ac:picMk id="4" creationId="{02C6D318-A858-580D-2E63-7BF688FFBB06}"/>
+          </ac:picMkLst>
+        </pc:picChg>
+        <pc:picChg chg="mod">
+          <ac:chgData name="Justin Jones" userId="S::justin.jones@cnpcusa.com::d548d167-3381-4d70-866b-4efa696e272f" providerId="AD" clId="Web-{08B5C88A-65E0-5FB3-462B-10632AF4ACF9}" dt="2024-07-16T18:28:33.891" v="82" actId="1076"/>
+          <ac:picMkLst>
+            <pc:docMk/>
+            <pc:sldMk cId="3616584397" sldId="260"/>
+            <ac:picMk id="9" creationId="{2CB07DCF-44A7-76DD-DFC5-7BA50974330F}"/>
+          </ac:picMkLst>
+        </pc:picChg>
+      </pc:sldChg>
+      <pc:sldChg chg="addSp delSp modSp">
+        <pc:chgData name="Justin Jones" userId="S::justin.jones@cnpcusa.com::d548d167-3381-4d70-866b-4efa696e272f" providerId="AD" clId="Web-{08B5C88A-65E0-5FB3-462B-10632AF4ACF9}" dt="2024-07-16T14:38:25.610" v="23" actId="1076"/>
+        <pc:sldMkLst>
+          <pc:docMk/>
+          <pc:sldMk cId="2903164538" sldId="264"/>
+        </pc:sldMkLst>
+        <pc:picChg chg="add del mod">
+          <ac:chgData name="Justin Jones" userId="S::justin.jones@cnpcusa.com::d548d167-3381-4d70-866b-4efa696e272f" providerId="AD" clId="Web-{08B5C88A-65E0-5FB3-462B-10632AF4ACF9}" dt="2024-07-16T14:38:17.625" v="19"/>
+          <ac:picMkLst>
+            <pc:docMk/>
+            <pc:sldMk cId="2903164538" sldId="264"/>
+            <ac:picMk id="2" creationId="{E550080C-7591-11F4-B8DA-3DE8029CE8D5}"/>
+          </ac:picMkLst>
+        </pc:picChg>
+        <pc:picChg chg="add mod">
+          <ac:chgData name="Justin Jones" userId="S::justin.jones@cnpcusa.com::d548d167-3381-4d70-866b-4efa696e272f" providerId="AD" clId="Web-{08B5C88A-65E0-5FB3-462B-10632AF4ACF9}" dt="2024-07-16T14:38:25.610" v="23" actId="1076"/>
+          <ac:picMkLst>
+            <pc:docMk/>
+            <pc:sldMk cId="2903164538" sldId="264"/>
+            <ac:picMk id="3" creationId="{F48C23A1-CB55-51BF-75CA-454EBAB2131D}"/>
+          </ac:picMkLst>
+        </pc:picChg>
+        <pc:picChg chg="add del mod">
+          <ac:chgData name="Justin Jones" userId="S::justin.jones@cnpcusa.com::d548d167-3381-4d70-866b-4efa696e272f" providerId="AD" clId="Web-{08B5C88A-65E0-5FB3-462B-10632AF4ACF9}" dt="2024-07-16T14:38:17.891" v="20"/>
+          <ac:picMkLst>
+            <pc:docMk/>
+            <pc:sldMk cId="2903164538" sldId="264"/>
+            <ac:picMk id="4" creationId="{72127ED3-17D6-977F-AD47-09BB5A0F64E1}"/>
+          </ac:picMkLst>
+        </pc:picChg>
+        <pc:picChg chg="del">
+          <ac:chgData name="Justin Jones" userId="S::justin.jones@cnpcusa.com::d548d167-3381-4d70-866b-4efa696e272f" providerId="AD" clId="Web-{08B5C88A-65E0-5FB3-462B-10632AF4ACF9}" dt="2024-07-16T14:36:09.902" v="2"/>
+          <ac:picMkLst>
+            <pc:docMk/>
+            <pc:sldMk cId="2903164538" sldId="264"/>
+            <ac:picMk id="5" creationId="{5765FC7B-9EBF-5245-5A22-44D2599BD9AF}"/>
+          </ac:picMkLst>
+        </pc:picChg>
+      </pc:sldChg>
+      <pc:sldChg chg="delSp modSp add replId">
+        <pc:chgData name="Justin Jones" userId="S::justin.jones@cnpcusa.com::d548d167-3381-4d70-866b-4efa696e272f" providerId="AD" clId="Web-{08B5C88A-65E0-5FB3-462B-10632AF4ACF9}" dt="2024-07-16T14:38:37.438" v="27" actId="14100"/>
+        <pc:sldMkLst>
+          <pc:docMk/>
+          <pc:sldMk cId="866400033" sldId="265"/>
+        </pc:sldMkLst>
+        <pc:picChg chg="mod">
+          <ac:chgData name="Justin Jones" userId="S::justin.jones@cnpcusa.com::d548d167-3381-4d70-866b-4efa696e272f" providerId="AD" clId="Web-{08B5C88A-65E0-5FB3-462B-10632AF4ACF9}" dt="2024-07-16T14:38:34.329" v="26" actId="14100"/>
+          <ac:picMkLst>
+            <pc:docMk/>
+            <pc:sldMk cId="866400033" sldId="265"/>
+            <ac:picMk id="2" creationId="{E550080C-7591-11F4-B8DA-3DE8029CE8D5}"/>
+          </ac:picMkLst>
+        </pc:picChg>
+        <pc:picChg chg="del">
+          <ac:chgData name="Justin Jones" userId="S::justin.jones@cnpcusa.com::d548d167-3381-4d70-866b-4efa696e272f" providerId="AD" clId="Web-{08B5C88A-65E0-5FB3-462B-10632AF4ACF9}" dt="2024-07-16T14:38:15.891" v="18"/>
+          <ac:picMkLst>
+            <pc:docMk/>
+            <pc:sldMk cId="866400033" sldId="265"/>
+            <ac:picMk id="3" creationId="{F48C23A1-CB55-51BF-75CA-454EBAB2131D}"/>
+          </ac:picMkLst>
+        </pc:picChg>
+        <pc:picChg chg="mod">
+          <ac:chgData name="Justin Jones" userId="S::justin.jones@cnpcusa.com::d548d167-3381-4d70-866b-4efa696e272f" providerId="AD" clId="Web-{08B5C88A-65E0-5FB3-462B-10632AF4ACF9}" dt="2024-07-16T14:38:37.438" v="27" actId="14100"/>
+          <ac:picMkLst>
+            <pc:docMk/>
+            <pc:sldMk cId="866400033" sldId="265"/>
+            <ac:picMk id="4" creationId="{72127ED3-17D6-977F-AD47-09BB5A0F64E1}"/>
+          </ac:picMkLst>
+        </pc:picChg>
+      </pc:sldChg>
+    </pc:docChg>
+  </pc:docChgLst>
+  <pc:docChgLst>
+    <pc:chgData name="Justin Jones" userId="S::justin.jones@cnpcusa.com::d548d167-3381-4d70-866b-4efa696e272f" providerId="AD" clId="Web-{63A614F8-B410-11D6-1D53-83AB9873DB1E}"/>
+    <pc:docChg chg="addSld modSld">
+      <pc:chgData name="Justin Jones" userId="S::justin.jones@cnpcusa.com::d548d167-3381-4d70-866b-4efa696e272f" providerId="AD" clId="Web-{63A614F8-B410-11D6-1D53-83AB9873DB1E}" dt="2024-07-17T17:47:47.167" v="11" actId="20577"/>
+      <pc:docMkLst>
+        <pc:docMk/>
+      </pc:docMkLst>
+      <pc:sldChg chg="add replId">
+        <pc:chgData name="Justin Jones" userId="S::justin.jones@cnpcusa.com::d548d167-3381-4d70-866b-4efa696e272f" providerId="AD" clId="Web-{63A614F8-B410-11D6-1D53-83AB9873DB1E}" dt="2024-07-17T17:47:27.619" v="0"/>
+        <pc:sldMkLst>
+          <pc:docMk/>
+          <pc:sldMk cId="2387751346" sldId="266"/>
+        </pc:sldMkLst>
+      </pc:sldChg>
+      <pc:sldChg chg="add replId">
+        <pc:chgData name="Justin Jones" userId="S::justin.jones@cnpcusa.com::d548d167-3381-4d70-866b-4efa696e272f" providerId="AD" clId="Web-{63A614F8-B410-11D6-1D53-83AB9873DB1E}" dt="2024-07-17T17:47:27.697" v="1"/>
+        <pc:sldMkLst>
+          <pc:docMk/>
+          <pc:sldMk cId="4173312039" sldId="267"/>
+        </pc:sldMkLst>
+      </pc:sldChg>
+      <pc:sldChg chg="add replId">
+        <pc:chgData name="Justin Jones" userId="S::justin.jones@cnpcusa.com::d548d167-3381-4d70-866b-4efa696e272f" providerId="AD" clId="Web-{63A614F8-B410-11D6-1D53-83AB9873DB1E}" dt="2024-07-17T17:47:27.760" v="2"/>
+        <pc:sldMkLst>
+          <pc:docMk/>
+          <pc:sldMk cId="2890609912" sldId="268"/>
+        </pc:sldMkLst>
+      </pc:sldChg>
+      <pc:sldChg chg="modSp add replId">
+        <pc:chgData name="Justin Jones" userId="S::justin.jones@cnpcusa.com::d548d167-3381-4d70-866b-4efa696e272f" providerId="AD" clId="Web-{63A614F8-B410-11D6-1D53-83AB9873DB1E}" dt="2024-07-17T17:47:47.167" v="11" actId="20577"/>
+        <pc:sldMkLst>
+          <pc:docMk/>
+          <pc:sldMk cId="341063258" sldId="269"/>
+        </pc:sldMkLst>
+        <pc:spChg chg="mod">
+          <ac:chgData name="Justin Jones" userId="S::justin.jones@cnpcusa.com::d548d167-3381-4d70-866b-4efa696e272f" providerId="AD" clId="Web-{63A614F8-B410-11D6-1D53-83AB9873DB1E}" dt="2024-07-17T17:47:47.167" v="11" actId="20577"/>
+          <ac:spMkLst>
+            <pc:docMk/>
+            <pc:sldMk cId="341063258" sldId="269"/>
+            <ac:spMk id="2" creationId="{1F6332E9-69BB-1518-20B0-503139146C67}"/>
+          </ac:spMkLst>
+        </pc:spChg>
+      </pc:sldChg>
+      <pc:sldChg chg="modSp add replId">
+        <pc:chgData name="Justin Jones" userId="S::justin.jones@cnpcusa.com::d548d167-3381-4d70-866b-4efa696e272f" providerId="AD" clId="Web-{63A614F8-B410-11D6-1D53-83AB9873DB1E}" dt="2024-07-17T17:47:33.604" v="6" actId="20577"/>
+        <pc:sldMkLst>
+          <pc:docMk/>
+          <pc:sldMk cId="3310921234" sldId="270"/>
+        </pc:sldMkLst>
+        <pc:spChg chg="mod">
+          <ac:chgData name="Justin Jones" userId="S::justin.jones@cnpcusa.com::d548d167-3381-4d70-866b-4efa696e272f" providerId="AD" clId="Web-{63A614F8-B410-11D6-1D53-83AB9873DB1E}" dt="2024-07-17T17:47:33.604" v="6" actId="20577"/>
+          <ac:spMkLst>
+            <pc:docMk/>
+            <pc:sldMk cId="3310921234" sldId="270"/>
+            <ac:spMk id="2" creationId="{00000000-0000-0000-0000-000000000000}"/>
+          </ac:spMkLst>
+        </pc:spChg>
+      </pc:sldChg>
+    </pc:docChg>
+  </pc:docChgLst>
+  <pc:docChgLst>
+    <pc:chgData name="Justin Jones" userId="S::justin.jones@cnpcusa.com::d548d167-3381-4d70-866b-4efa696e272f" providerId="AD" clId="Web-{69AE73C2-7C98-B677-9A89-A0DEE97B5B9F}"/>
+    <pc:docChg chg="modSld">
+      <pc:chgData name="Justin Jones" userId="S::justin.jones@cnpcusa.com::d548d167-3381-4d70-866b-4efa696e272f" providerId="AD" clId="Web-{69AE73C2-7C98-B677-9A89-A0DEE97B5B9F}" dt="2024-07-17T19:14:19.790" v="24" actId="14100"/>
+      <pc:docMkLst>
+        <pc:docMk/>
+      </pc:docMkLst>
+      <pc:sldChg chg="addSp modSp">
+        <pc:chgData name="Justin Jones" userId="S::justin.jones@cnpcusa.com::d548d167-3381-4d70-866b-4efa696e272f" providerId="AD" clId="Web-{69AE73C2-7C98-B677-9A89-A0DEE97B5B9F}" dt="2024-07-17T19:14:19.790" v="24" actId="14100"/>
+        <pc:sldMkLst>
+          <pc:docMk/>
+          <pc:sldMk cId="2890609912" sldId="268"/>
+        </pc:sldMkLst>
+        <pc:spChg chg="mod">
+          <ac:chgData name="Justin Jones" userId="S::justin.jones@cnpcusa.com::d548d167-3381-4d70-866b-4efa696e272f" providerId="AD" clId="Web-{69AE73C2-7C98-B677-9A89-A0DEE97B5B9F}" dt="2024-07-17T18:48:50.972" v="4" actId="20577"/>
+          <ac:spMkLst>
+            <pc:docMk/>
+            <pc:sldMk cId="2890609912" sldId="268"/>
+            <ac:spMk id="6" creationId="{53950D08-E593-8FD4-F2BF-88D830465ACD}"/>
+          </ac:spMkLst>
+        </pc:spChg>
+        <pc:spChg chg="add mod">
+          <ac:chgData name="Justin Jones" userId="S::justin.jones@cnpcusa.com::d548d167-3381-4d70-866b-4efa696e272f" providerId="AD" clId="Web-{69AE73C2-7C98-B677-9A89-A0DEE97B5B9F}" dt="2024-07-17T18:53:47.827" v="15" actId="1076"/>
+          <ac:spMkLst>
+            <pc:docMk/>
+            <pc:sldMk cId="2890609912" sldId="268"/>
+            <ac:spMk id="16" creationId="{C8E3CFF2-0922-CA77-7B86-9B1493EDF945}"/>
+          </ac:spMkLst>
+        </pc:spChg>
+        <pc:spChg chg="add mod">
+          <ac:chgData name="Justin Jones" userId="S::justin.jones@cnpcusa.com::d548d167-3381-4d70-866b-4efa696e272f" providerId="AD" clId="Web-{69AE73C2-7C98-B677-9A89-A0DEE97B5B9F}" dt="2024-07-17T18:54:04.046" v="19" actId="1076"/>
+          <ac:spMkLst>
+            <pc:docMk/>
+            <pc:sldMk cId="2890609912" sldId="268"/>
+            <ac:spMk id="18" creationId="{012C7234-2B20-6884-075D-89D2FF7F2B40}"/>
+          </ac:spMkLst>
+        </pc:spChg>
+        <pc:picChg chg="add mod ord">
+          <ac:chgData name="Justin Jones" userId="S::justin.jones@cnpcusa.com::d548d167-3381-4d70-866b-4efa696e272f" providerId="AD" clId="Web-{69AE73C2-7C98-B677-9A89-A0DEE97B5B9F}" dt="2024-07-17T18:53:25.951" v="9"/>
+          <ac:picMkLst>
+            <pc:docMk/>
+            <pc:sldMk cId="2890609912" sldId="268"/>
+            <ac:picMk id="4" creationId="{D5BFA43A-66AF-9764-BEFC-5D196549B9FD}"/>
+          </ac:picMkLst>
+        </pc:picChg>
+        <pc:cxnChg chg="mod">
+          <ac:chgData name="Justin Jones" userId="S::justin.jones@cnpcusa.com::d548d167-3381-4d70-866b-4efa696e272f" providerId="AD" clId="Web-{69AE73C2-7C98-B677-9A89-A0DEE97B5B9F}" dt="2024-07-17T19:14:19.790" v="24" actId="14100"/>
+          <ac:cxnSpMkLst>
+            <pc:docMk/>
+            <pc:sldMk cId="2890609912" sldId="268"/>
+            <ac:cxnSpMk id="10" creationId="{B58946CE-D297-A493-FEC2-0D54F76190F6}"/>
+          </ac:cxnSpMkLst>
+        </pc:cxnChg>
+        <pc:cxnChg chg="mod">
+          <ac:chgData name="Justin Jones" userId="S::justin.jones@cnpcusa.com::d548d167-3381-4d70-866b-4efa696e272f" providerId="AD" clId="Web-{69AE73C2-7C98-B677-9A89-A0DEE97B5B9F}" dt="2024-07-17T19:14:00.383" v="22" actId="1076"/>
+          <ac:cxnSpMkLst>
+            <pc:docMk/>
+            <pc:sldMk cId="2890609912" sldId="268"/>
+            <ac:cxnSpMk id="14" creationId="{ABC1C16D-398B-0DBF-E11B-1B929020E54B}"/>
+          </ac:cxnSpMkLst>
+        </pc:cxnChg>
+        <pc:cxnChg chg="add mod">
+          <ac:chgData name="Justin Jones" userId="S::justin.jones@cnpcusa.com::d548d167-3381-4d70-866b-4efa696e272f" providerId="AD" clId="Web-{69AE73C2-7C98-B677-9A89-A0DEE97B5B9F}" dt="2024-07-17T18:53:34.920" v="12" actId="14100"/>
+          <ac:cxnSpMkLst>
+            <pc:docMk/>
+            <pc:sldMk cId="2890609912" sldId="268"/>
+            <ac:cxnSpMk id="15" creationId="{E342B641-B6E8-2E9E-7AD3-C0624C0E2F03}"/>
+          </ac:cxnSpMkLst>
+        </pc:cxnChg>
+        <pc:cxnChg chg="add mod">
+          <ac:chgData name="Justin Jones" userId="S::justin.jones@cnpcusa.com::d548d167-3381-4d70-866b-4efa696e272f" providerId="AD" clId="Web-{69AE73C2-7C98-B677-9A89-A0DEE97B5B9F}" dt="2024-07-17T18:53:47.827" v="16" actId="1076"/>
+          <ac:cxnSpMkLst>
+            <pc:docMk/>
+            <pc:sldMk cId="2890609912" sldId="268"/>
+            <ac:cxnSpMk id="17" creationId="{BFC9552F-4596-8867-0D7A-798650EFFA7C}"/>
+          </ac:cxnSpMkLst>
+        </pc:cxnChg>
+        <pc:cxnChg chg="add mod">
+          <ac:chgData name="Justin Jones" userId="S::justin.jones@cnpcusa.com::d548d167-3381-4d70-866b-4efa696e272f" providerId="AD" clId="Web-{69AE73C2-7C98-B677-9A89-A0DEE97B5B9F}" dt="2024-07-17T18:54:04.046" v="20" actId="1076"/>
+          <ac:cxnSpMkLst>
+            <pc:docMk/>
+            <pc:sldMk cId="2890609912" sldId="268"/>
+            <ac:cxnSpMk id="19" creationId="{C898E678-2EC0-7A04-1328-67CA8F37FF6C}"/>
+          </ac:cxnSpMkLst>
+        </pc:cxnChg>
+      </pc:sldChg>
+    </pc:docChg>
+  </pc:docChgLst>
+  <pc:docChgLst>
+    <pc:chgData name="Justin Jones" userId="S::justin.jones@cnpcusa.com::d548d167-3381-4d70-866b-4efa696e272f" providerId="AD" clId="Web-{46E7473C-A54D-DEB8-9286-7FF1F650F8FA}"/>
+    <pc:docChg chg="modSld">
+      <pc:chgData name="Justin Jones" userId="S::justin.jones@cnpcusa.com::d548d167-3381-4d70-866b-4efa696e272f" providerId="AD" clId="Web-{46E7473C-A54D-DEB8-9286-7FF1F650F8FA}" dt="2024-06-13T21:22:01.552" v="3"/>
+      <pc:docMkLst>
+        <pc:docMk/>
+      </pc:docMkLst>
+      <pc:sldChg chg="addSp delSp">
+        <pc:chgData name="Justin Jones" userId="S::justin.jones@cnpcusa.com::d548d167-3381-4d70-866b-4efa696e272f" providerId="AD" clId="Web-{46E7473C-A54D-DEB8-9286-7FF1F650F8FA}" dt="2024-06-13T21:22:01.552" v="3"/>
+        <pc:sldMkLst>
+          <pc:docMk/>
+          <pc:sldMk cId="3114397265" sldId="257"/>
+        </pc:sldMkLst>
+        <pc:spChg chg="add">
+          <ac:chgData name="Justin Jones" userId="S::justin.jones@cnpcusa.com::d548d167-3381-4d70-866b-4efa696e272f" providerId="AD" clId="Web-{46E7473C-A54D-DEB8-9286-7FF1F650F8FA}" dt="2024-06-13T21:22:01.552" v="3"/>
+          <ac:spMkLst>
+            <pc:docMk/>
+            <pc:sldMk cId="3114397265" sldId="257"/>
+            <ac:spMk id="7" creationId="{4C7BB4E9-236A-1BB9-87E2-49DC71B8D841}"/>
+          </ac:spMkLst>
+        </pc:spChg>
+        <pc:spChg chg="del">
+          <ac:chgData name="Justin Jones" userId="S::justin.jones@cnpcusa.com::d548d167-3381-4d70-866b-4efa696e272f" providerId="AD" clId="Web-{46E7473C-A54D-DEB8-9286-7FF1F650F8FA}" dt="2024-06-13T21:21:55.458" v="1"/>
+          <ac:spMkLst>
+            <pc:docMk/>
+            <pc:sldMk cId="3114397265" sldId="257"/>
+            <ac:spMk id="10" creationId="{4D970A9A-4EB7-89C3-45BF-1B9A9A3EACF0}"/>
+          </ac:spMkLst>
+        </pc:spChg>
+        <pc:picChg chg="add">
+          <ac:chgData name="Justin Jones" userId="S::justin.jones@cnpcusa.com::d548d167-3381-4d70-866b-4efa696e272f" providerId="AD" clId="Web-{46E7473C-A54D-DEB8-9286-7FF1F650F8FA}" dt="2024-06-13T21:22:01.552" v="2"/>
+          <ac:picMkLst>
+            <pc:docMk/>
+            <pc:sldMk cId="3114397265" sldId="257"/>
+            <ac:picMk id="5" creationId="{F0F2FE84-D4CA-912B-E0AD-67FC10B49443}"/>
+          </ac:picMkLst>
+        </pc:picChg>
+        <pc:picChg chg="del">
+          <ac:chgData name="Justin Jones" userId="S::justin.jones@cnpcusa.com::d548d167-3381-4d70-866b-4efa696e272f" providerId="AD" clId="Web-{46E7473C-A54D-DEB8-9286-7FF1F650F8FA}" dt="2024-06-13T21:21:54.520" v="0"/>
+          <ac:picMkLst>
+            <pc:docMk/>
+            <pc:sldMk cId="3114397265" sldId="257"/>
+            <ac:picMk id="9" creationId="{2CB07DCF-44A7-76DD-DFC5-7BA50974330F}"/>
+          </ac:picMkLst>
+        </pc:picChg>
+      </pc:sldChg>
+    </pc:docChg>
+  </pc:docChgLst>
+  <pc:docChgLst>
+    <pc:chgData name="Justin Jones" userId="S::justin.jones@cnpcusa.com::d548d167-3381-4d70-866b-4efa696e272f" providerId="AD" clId="Web-{9AF01AAD-13AE-AB2B-25E3-7727BC5752FC}"/>
+    <pc:docChg chg="delSld">
+      <pc:chgData name="Justin Jones" userId="S::justin.jones@cnpcusa.com::d548d167-3381-4d70-866b-4efa696e272f" providerId="AD" clId="Web-{9AF01AAD-13AE-AB2B-25E3-7727BC5752FC}" dt="2024-06-26T20:22:03.970" v="0"/>
+      <pc:docMkLst>
+        <pc:docMk/>
+      </pc:docMkLst>
+      <pc:sldChg chg="del">
+        <pc:chgData name="Justin Jones" userId="S::justin.jones@cnpcusa.com::d548d167-3381-4d70-866b-4efa696e272f" providerId="AD" clId="Web-{9AF01AAD-13AE-AB2B-25E3-7727BC5752FC}" dt="2024-06-26T20:22:03.970" v="0"/>
+        <pc:sldMkLst>
+          <pc:docMk/>
+          <pc:sldMk cId="3114397265" sldId="257"/>
+        </pc:sldMkLst>
+      </pc:sldChg>
+    </pc:docChg>
+  </pc:docChgLst>
+  <pc:docChgLst>
+    <pc:chgData name="Justin Jones" userId="S::justin.jones@cnpcusa.com::d548d167-3381-4d70-866b-4efa696e272f" providerId="AD" clId="Web-{8E9096EB-EEE5-3570-E8CD-668210CECC0B}"/>
+    <pc:docChg chg="modSld">
+      <pc:chgData name="Justin Jones" userId="S::justin.jones@cnpcusa.com::d548d167-3381-4d70-866b-4efa696e272f" providerId="AD" clId="Web-{8E9096EB-EEE5-3570-E8CD-668210CECC0B}" dt="2024-07-16T13:20:48.080" v="50" actId="20577"/>
+      <pc:docMkLst>
+        <pc:docMk/>
+      </pc:docMkLst>
+      <pc:sldChg chg="modSp">
+        <pc:chgData name="Justin Jones" userId="S::justin.jones@cnpcusa.com::d548d167-3381-4d70-866b-4efa696e272f" providerId="AD" clId="Web-{8E9096EB-EEE5-3570-E8CD-668210CECC0B}" dt="2024-07-16T13:06:56.347" v="18" actId="20577"/>
+        <pc:sldMkLst>
+          <pc:docMk/>
+          <pc:sldMk cId="2238481522" sldId="259"/>
+        </pc:sldMkLst>
+        <pc:spChg chg="mod">
+          <ac:chgData name="Justin Jones" userId="S::justin.jones@cnpcusa.com::d548d167-3381-4d70-866b-4efa696e272f" providerId="AD" clId="Web-{8E9096EB-EEE5-3570-E8CD-668210CECC0B}" dt="2024-07-16T13:06:56.347" v="18" actId="20577"/>
+          <ac:spMkLst>
+            <pc:docMk/>
+            <pc:sldMk cId="2238481522" sldId="259"/>
+            <ac:spMk id="3" creationId="{5BFDA1E2-DACB-B107-DE39-D2A1201C9AA5}"/>
+          </ac:spMkLst>
+        </pc:spChg>
+      </pc:sldChg>
+      <pc:sldChg chg="addSp modSp">
+        <pc:chgData name="Justin Jones" userId="S::justin.jones@cnpcusa.com::d548d167-3381-4d70-866b-4efa696e272f" providerId="AD" clId="Web-{8E9096EB-EEE5-3570-E8CD-668210CECC0B}" dt="2024-07-16T13:20:48.080" v="50" actId="20577"/>
+        <pc:sldMkLst>
+          <pc:docMk/>
+          <pc:sldMk cId="3616584397" sldId="260"/>
+        </pc:sldMkLst>
+        <pc:spChg chg="mod">
+          <ac:chgData name="Justin Jones" userId="S::justin.jones@cnpcusa.com::d548d167-3381-4d70-866b-4efa696e272f" providerId="AD" clId="Web-{8E9096EB-EEE5-3570-E8CD-668210CECC0B}" dt="2024-07-16T13:20:48.080" v="50" actId="20577"/>
+          <ac:spMkLst>
+            <pc:docMk/>
+            <pc:sldMk cId="3616584397" sldId="260"/>
+            <ac:spMk id="3" creationId="{5BFDA1E2-DACB-B107-DE39-D2A1201C9AA5}"/>
+          </ac:spMkLst>
+        </pc:spChg>
+        <pc:spChg chg="add mod">
+          <ac:chgData name="Justin Jones" userId="S::justin.jones@cnpcusa.com::d548d167-3381-4d70-866b-4efa696e272f" providerId="AD" clId="Web-{8E9096EB-EEE5-3570-E8CD-668210CECC0B}" dt="2024-07-16T13:09:58.228" v="26" actId="1076"/>
+          <ac:spMkLst>
+            <pc:docMk/>
+            <pc:sldMk cId="3616584397" sldId="260"/>
+            <ac:spMk id="5" creationId="{BECC5715-81E0-AD2F-9298-7F3DB4ED3E3B}"/>
+          </ac:spMkLst>
+        </pc:spChg>
+        <pc:spChg chg="mod">
+          <ac:chgData name="Justin Jones" userId="S::justin.jones@cnpcusa.com::d548d167-3381-4d70-866b-4efa696e272f" providerId="AD" clId="Web-{8E9096EB-EEE5-3570-E8CD-668210CECC0B}" dt="2024-07-16T13:09:58.228" v="27" actId="1076"/>
+          <ac:spMkLst>
+            <pc:docMk/>
+            <pc:sldMk cId="3616584397" sldId="260"/>
+            <ac:spMk id="10" creationId="{4D970A9A-4EB7-89C3-45BF-1B9A9A3EACF0}"/>
+          </ac:spMkLst>
+        </pc:spChg>
+        <pc:picChg chg="add mod">
+          <ac:chgData name="Justin Jones" userId="S::justin.jones@cnpcusa.com::d548d167-3381-4d70-866b-4efa696e272f" providerId="AD" clId="Web-{8E9096EB-EEE5-3570-E8CD-668210CECC0B}" dt="2024-07-16T13:09:39.853" v="21" actId="14100"/>
+          <ac:picMkLst>
+            <pc:docMk/>
+            <pc:sldMk cId="3616584397" sldId="260"/>
+            <ac:picMk id="4" creationId="{02C6D318-A858-580D-2E63-7BF688FFBB06}"/>
+          </ac:picMkLst>
+        </pc:picChg>
+      </pc:sldChg>
+    </pc:docChg>
+  </pc:docChgLst>
+  <pc:docChgLst>
+    <pc:chgData name="Justin Jones" userId="S::justin.jones@cnpcusa.com::d548d167-3381-4d70-866b-4efa696e272f" providerId="AD" clId="Web-{36EA0625-1292-9CC0-9771-6523B053E64A}"/>
+    <pc:docChg chg="delSld modSld">
+      <pc:chgData name="Justin Jones" userId="S::justin.jones@cnpcusa.com::d548d167-3381-4d70-866b-4efa696e272f" providerId="AD" clId="Web-{36EA0625-1292-9CC0-9771-6523B053E64A}" dt="2024-07-17T18:23:47.956" v="327"/>
+      <pc:docMkLst>
+        <pc:docMk/>
+      </pc:docMkLst>
+      <pc:sldChg chg="del">
+        <pc:chgData name="Justin Jones" userId="S::justin.jones@cnpcusa.com::d548d167-3381-4d70-866b-4efa696e272f" providerId="AD" clId="Web-{36EA0625-1292-9CC0-9771-6523B053E64A}" dt="2024-07-17T18:22:40.516" v="316"/>
+        <pc:sldMkLst>
+          <pc:docMk/>
+          <pc:sldMk cId="2387751346" sldId="266"/>
+        </pc:sldMkLst>
+      </pc:sldChg>
+      <pc:sldChg chg="del">
+        <pc:chgData name="Justin Jones" userId="S::justin.jones@cnpcusa.com::d548d167-3381-4d70-866b-4efa696e272f" providerId="AD" clId="Web-{36EA0625-1292-9CC0-9771-6523B053E64A}" dt="2024-07-17T18:22:39.453" v="315"/>
+        <pc:sldMkLst>
+          <pc:docMk/>
+          <pc:sldMk cId="4173312039" sldId="267"/>
+        </pc:sldMkLst>
+      </pc:sldChg>
+      <pc:sldChg chg="addSp delSp modSp">
+        <pc:chgData name="Justin Jones" userId="S::justin.jones@cnpcusa.com::d548d167-3381-4d70-866b-4efa696e272f" providerId="AD" clId="Web-{36EA0625-1292-9CC0-9771-6523B053E64A}" dt="2024-07-17T18:20:10.619" v="314" actId="14100"/>
+        <pc:sldMkLst>
+          <pc:docMk/>
+          <pc:sldMk cId="2890609912" sldId="268"/>
+        </pc:sldMkLst>
+        <pc:spChg chg="mod">
+          <ac:chgData name="Justin Jones" userId="S::justin.jones@cnpcusa.com::d548d167-3381-4d70-866b-4efa696e272f" providerId="AD" clId="Web-{36EA0625-1292-9CC0-9771-6523B053E64A}" dt="2024-07-17T18:19:58.931" v="312" actId="14100"/>
+          <ac:spMkLst>
+            <pc:docMk/>
+            <pc:sldMk cId="2890609912" sldId="268"/>
+            <ac:spMk id="2" creationId="{1F6332E9-69BB-1518-20B0-503139146C67}"/>
+          </ac:spMkLst>
+        </pc:spChg>
+        <pc:spChg chg="mod">
+          <ac:chgData name="Justin Jones" userId="S::justin.jones@cnpcusa.com::d548d167-3381-4d70-866b-4efa696e272f" providerId="AD" clId="Web-{36EA0625-1292-9CC0-9771-6523B053E64A}" dt="2024-07-17T18:19:22.602" v="304" actId="14100"/>
+          <ac:spMkLst>
+            <pc:docMk/>
+            <pc:sldMk cId="2890609912" sldId="268"/>
+            <ac:spMk id="3" creationId="{5BFDA1E2-DACB-B107-DE39-D2A1201C9AA5}"/>
+          </ac:spMkLst>
+        </pc:spChg>
+        <pc:spChg chg="add mod">
+          <ac:chgData name="Justin Jones" userId="S::justin.jones@cnpcusa.com::d548d167-3381-4d70-866b-4efa696e272f" providerId="AD" clId="Web-{36EA0625-1292-9CC0-9771-6523B053E64A}" dt="2024-07-17T18:16:11.090" v="242" actId="1076"/>
+          <ac:spMkLst>
+            <pc:docMk/>
+            <pc:sldMk cId="2890609912" sldId="268"/>
+            <ac:spMk id="6" creationId="{53950D08-E593-8FD4-F2BF-88D830465ACD}"/>
+          </ac:spMkLst>
+        </pc:spChg>
+        <pc:spChg chg="add mod">
+          <ac:chgData name="Justin Jones" userId="S::justin.jones@cnpcusa.com::d548d167-3381-4d70-866b-4efa696e272f" providerId="AD" clId="Web-{36EA0625-1292-9CC0-9771-6523B053E64A}" dt="2024-07-17T18:17:00.580" v="258" actId="1076"/>
+          <ac:spMkLst>
+            <pc:docMk/>
+            <pc:sldMk cId="2890609912" sldId="268"/>
+            <ac:spMk id="9" creationId="{B0C424A9-03CC-EB29-011B-F2A0CCBFFD7D}"/>
+          </ac:spMkLst>
+        </pc:spChg>
+        <pc:spChg chg="add mod">
+          <ac:chgData name="Justin Jones" userId="S::justin.jones@cnpcusa.com::d548d167-3381-4d70-866b-4efa696e272f" providerId="AD" clId="Web-{36EA0625-1292-9CC0-9771-6523B053E64A}" dt="2024-07-17T18:19:54.837" v="311" actId="1076"/>
+          <ac:spMkLst>
+            <pc:docMk/>
+            <pc:sldMk cId="2890609912" sldId="268"/>
+            <ac:spMk id="12" creationId="{F5B528AF-8B99-293B-67B0-C0568F9BF972}"/>
+          </ac:spMkLst>
+        </pc:spChg>
+        <pc:picChg chg="del">
+          <ac:chgData name="Justin Jones" userId="S::justin.jones@cnpcusa.com::d548d167-3381-4d70-866b-4efa696e272f" providerId="AD" clId="Web-{36EA0625-1292-9CC0-9771-6523B053E64A}" dt="2024-07-17T18:05:45.097" v="211"/>
+          <ac:picMkLst>
+            <pc:docMk/>
+            <pc:sldMk cId="2890609912" sldId="268"/>
+            <ac:picMk id="4" creationId="{4386DFF2-9920-DF5C-FB69-8A6367C808C4}"/>
+          </ac:picMkLst>
+        </pc:picChg>
+        <pc:picChg chg="add mod ord">
+          <ac:chgData name="Justin Jones" userId="S::justin.jones@cnpcusa.com::d548d167-3381-4d70-866b-4efa696e272f" providerId="AD" clId="Web-{36EA0625-1292-9CC0-9771-6523B053E64A}" dt="2024-07-17T18:19:04.492" v="301"/>
+          <ac:picMkLst>
+            <pc:docMk/>
+            <pc:sldMk cId="2890609912" sldId="268"/>
+            <ac:picMk id="5" creationId="{09164FC3-2305-B7E8-9DAD-555E492634F0}"/>
+          </ac:picMkLst>
+        </pc:picChg>
+        <pc:cxnChg chg="add mod">
+          <ac:chgData name="Justin Jones" userId="S::justin.jones@cnpcusa.com::d548d167-3381-4d70-866b-4efa696e272f" providerId="AD" clId="Web-{36EA0625-1292-9CC0-9771-6523B053E64A}" dt="2024-07-17T18:16:26.579" v="246"/>
+          <ac:cxnSpMkLst>
+            <pc:docMk/>
+            <pc:sldMk cId="2890609912" sldId="268"/>
+            <ac:cxnSpMk id="7" creationId="{7B93B970-EE7E-B1D4-5F0B-5A6B567FBB67}"/>
+          </ac:cxnSpMkLst>
+        </pc:cxnChg>
+        <pc:cxnChg chg="add mod">
+          <ac:chgData name="Justin Jones" userId="S::justin.jones@cnpcusa.com::d548d167-3381-4d70-866b-4efa696e272f" providerId="AD" clId="Web-{36EA0625-1292-9CC0-9771-6523B053E64A}" dt="2024-07-17T18:16:40.548" v="250" actId="14100"/>
+          <ac:cxnSpMkLst>
+            <pc:docMk/>
+            <pc:sldMk cId="2890609912" sldId="268"/>
+            <ac:cxnSpMk id="8" creationId="{78AEA6CA-9F4B-D46A-1E56-AE257FD8EE16}"/>
+          </ac:cxnSpMkLst>
+        </pc:cxnChg>
+        <pc:cxnChg chg="add mod">
+          <ac:chgData name="Justin Jones" userId="S::justin.jones@cnpcusa.com::d548d167-3381-4d70-866b-4efa696e272f" providerId="AD" clId="Web-{36EA0625-1292-9CC0-9771-6523B053E64A}" dt="2024-07-17T18:17:09.050" v="261" actId="14100"/>
+          <ac:cxnSpMkLst>
+            <pc:docMk/>
+            <pc:sldMk cId="2890609912" sldId="268"/>
+            <ac:cxnSpMk id="10" creationId="{B58946CE-D297-A493-FEC2-0D54F76190F6}"/>
+          </ac:cxnSpMkLst>
+        </pc:cxnChg>
+        <pc:cxnChg chg="add mod">
+          <ac:chgData name="Justin Jones" userId="S::justin.jones@cnpcusa.com::d548d167-3381-4d70-866b-4efa696e272f" providerId="AD" clId="Web-{36EA0625-1292-9CC0-9771-6523B053E64A}" dt="2024-07-17T18:17:22.097" v="264" actId="14100"/>
+          <ac:cxnSpMkLst>
+            <pc:docMk/>
+            <pc:sldMk cId="2890609912" sldId="268"/>
+            <ac:cxnSpMk id="11" creationId="{04B17C7D-43F4-29A8-D893-F48B10AA472E}"/>
+          </ac:cxnSpMkLst>
+        </pc:cxnChg>
+        <pc:cxnChg chg="add mod">
+          <ac:chgData name="Justin Jones" userId="S::justin.jones@cnpcusa.com::d548d167-3381-4d70-866b-4efa696e272f" providerId="AD" clId="Web-{36EA0625-1292-9CC0-9771-6523B053E64A}" dt="2024-07-17T18:20:10.619" v="314" actId="14100"/>
+          <ac:cxnSpMkLst>
+            <pc:docMk/>
+            <pc:sldMk cId="2890609912" sldId="268"/>
+            <ac:cxnSpMk id="13" creationId="{C8106749-77A0-73F2-5F49-ADD2085744A3}"/>
+          </ac:cxnSpMkLst>
+        </pc:cxnChg>
+        <pc:cxnChg chg="add mod">
+          <ac:chgData name="Justin Jones" userId="S::justin.jones@cnpcusa.com::d548d167-3381-4d70-866b-4efa696e272f" providerId="AD" clId="Web-{36EA0625-1292-9CC0-9771-6523B053E64A}" dt="2024-07-17T18:20:02.150" v="313" actId="14100"/>
+          <ac:cxnSpMkLst>
+            <pc:docMk/>
+            <pc:sldMk cId="2890609912" sldId="268"/>
+            <ac:cxnSpMk id="14" creationId="{ABC1C16D-398B-0DBF-E11B-1B929020E54B}"/>
+          </ac:cxnSpMkLst>
+        </pc:cxnChg>
+      </pc:sldChg>
+      <pc:sldChg chg="addSp delSp modSp">
+        <pc:chgData name="Justin Jones" userId="S::justin.jones@cnpcusa.com::d548d167-3381-4d70-866b-4efa696e272f" providerId="AD" clId="Web-{36EA0625-1292-9CC0-9771-6523B053E64A}" dt="2024-07-17T18:23:47.956" v="327"/>
+        <pc:sldMkLst>
+          <pc:docMk/>
+          <pc:sldMk cId="341063258" sldId="269"/>
+        </pc:sldMkLst>
+        <pc:spChg chg="mod">
+          <ac:chgData name="Justin Jones" userId="S::justin.jones@cnpcusa.com::d548d167-3381-4d70-866b-4efa696e272f" providerId="AD" clId="Web-{36EA0625-1292-9CC0-9771-6523B053E64A}" dt="2024-07-17T18:05:14.689" v="180" actId="20577"/>
+          <ac:spMkLst>
+            <pc:docMk/>
+            <pc:sldMk cId="341063258" sldId="269"/>
+            <ac:spMk id="3" creationId="{5BFDA1E2-DACB-B107-DE39-D2A1201C9AA5}"/>
+          </ac:spMkLst>
+        </pc:spChg>
+        <pc:spChg chg="del">
+          <ac:chgData name="Justin Jones" userId="S::justin.jones@cnpcusa.com::d548d167-3381-4d70-866b-4efa696e272f" providerId="AD" clId="Web-{36EA0625-1292-9CC0-9771-6523B053E64A}" dt="2024-07-17T17:56:25.524" v="54"/>
+          <ac:spMkLst>
+            <pc:docMk/>
+            <pc:sldMk cId="341063258" sldId="269"/>
+            <ac:spMk id="5" creationId="{BECC5715-81E0-AD2F-9298-7F3DB4ED3E3B}"/>
+          </ac:spMkLst>
+        </pc:spChg>
+        <pc:spChg chg="add mod">
+          <ac:chgData name="Justin Jones" userId="S::justin.jones@cnpcusa.com::d548d167-3381-4d70-866b-4efa696e272f" providerId="AD" clId="Web-{36EA0625-1292-9CC0-9771-6523B053E64A}" dt="2024-07-17T18:23:47.956" v="327"/>
+          <ac:spMkLst>
+            <pc:docMk/>
+            <pc:sldMk cId="341063258" sldId="269"/>
+            <ac:spMk id="7" creationId="{F562B2FF-251E-3F9C-B488-00DF4E91077D}"/>
+          </ac:spMkLst>
+        </pc:spChg>
+        <pc:spChg chg="del">
+          <ac:chgData name="Justin Jones" userId="S::justin.jones@cnpcusa.com::d548d167-3381-4d70-866b-4efa696e272f" providerId="AD" clId="Web-{36EA0625-1292-9CC0-9771-6523B053E64A}" dt="2024-07-17T17:56:21.367" v="53"/>
+          <ac:spMkLst>
+            <pc:docMk/>
+            <pc:sldMk cId="341063258" sldId="269"/>
+            <ac:spMk id="10" creationId="{4D970A9A-4EB7-89C3-45BF-1B9A9A3EACF0}"/>
+          </ac:spMkLst>
+        </pc:spChg>
+        <pc:picChg chg="del">
+          <ac:chgData name="Justin Jones" userId="S::justin.jones@cnpcusa.com::d548d167-3381-4d70-866b-4efa696e272f" providerId="AD" clId="Web-{36EA0625-1292-9CC0-9771-6523B053E64A}" dt="2024-07-17T17:56:14.289" v="49"/>
+          <ac:picMkLst>
+            <pc:docMk/>
+            <pc:sldMk cId="341063258" sldId="269"/>
+            <ac:picMk id="4" creationId="{02C6D318-A858-580D-2E63-7BF688FFBB06}"/>
+          </ac:picMkLst>
+        </pc:picChg>
+        <pc:picChg chg="add mod">
+          <ac:chgData name="Justin Jones" userId="S::justin.jones@cnpcusa.com::d548d167-3381-4d70-866b-4efa696e272f" providerId="AD" clId="Web-{36EA0625-1292-9CC0-9771-6523B053E64A}" dt="2024-07-17T17:56:31.539" v="56" actId="1076"/>
+          <ac:picMkLst>
+            <pc:docMk/>
+            <pc:sldMk cId="341063258" sldId="269"/>
+            <ac:picMk id="6" creationId="{E8BD80BA-AE87-D57E-6644-44EE8A6FBB63}"/>
+          </ac:picMkLst>
+        </pc:picChg>
+        <pc:picChg chg="del">
+          <ac:chgData name="Justin Jones" userId="S::justin.jones@cnpcusa.com::d548d167-3381-4d70-866b-4efa696e272f" providerId="AD" clId="Web-{36EA0625-1292-9CC0-9771-6523B053E64A}" dt="2024-07-17T17:56:13.961" v="48"/>
+          <ac:picMkLst>
+            <pc:docMk/>
+            <pc:sldMk cId="341063258" sldId="269"/>
+            <ac:picMk id="9" creationId="{2CB07DCF-44A7-76DD-DFC5-7BA50974330F}"/>
+          </ac:picMkLst>
+        </pc:picChg>
+      </pc:sldChg>
+    </pc:docChg>
+  </pc:docChgLst>
+  <pc:docChgLst>
+    <pc:chgData name="Justin Jones" userId="S::justin.jones@cnpcusa.com::d548d167-3381-4d70-866b-4efa696e272f" providerId="AD" clId="Web-{546C60FE-E620-19A8-001D-CCEC938B8960}"/>
+    <pc:docChg chg="delSld">
+      <pc:chgData name="Justin Jones" userId="S::justin.jones@cnpcusa.com::d548d167-3381-4d70-866b-4efa696e272f" providerId="AD" clId="Web-{546C60FE-E620-19A8-001D-CCEC938B8960}" dt="2024-07-23T16:00:47.281" v="2"/>
+      <pc:docMkLst>
+        <pc:docMk/>
+      </pc:docMkLst>
+      <pc:sldChg chg="del">
+        <pc:chgData name="Justin Jones" userId="S::justin.jones@cnpcusa.com::d548d167-3381-4d70-866b-4efa696e272f" providerId="AD" clId="Web-{546C60FE-E620-19A8-001D-CCEC938B8960}" dt="2024-07-23T16:00:47.281" v="0"/>
+        <pc:sldMkLst>
+          <pc:docMk/>
+          <pc:sldMk cId="2890609912" sldId="268"/>
+        </pc:sldMkLst>
+      </pc:sldChg>
+      <pc:sldChg chg="del">
+        <pc:chgData name="Justin Jones" userId="S::justin.jones@cnpcusa.com::d548d167-3381-4d70-866b-4efa696e272f" providerId="AD" clId="Web-{546C60FE-E620-19A8-001D-CCEC938B8960}" dt="2024-07-23T16:00:47.281" v="1"/>
+        <pc:sldMkLst>
+          <pc:docMk/>
+          <pc:sldMk cId="341063258" sldId="269"/>
+        </pc:sldMkLst>
+      </pc:sldChg>
+      <pc:sldChg chg="del">
+        <pc:chgData name="Justin Jones" userId="S::justin.jones@cnpcusa.com::d548d167-3381-4d70-866b-4efa696e272f" providerId="AD" clId="Web-{546C60FE-E620-19A8-001D-CCEC938B8960}" dt="2024-07-23T16:00:47.281" v="2"/>
+        <pc:sldMkLst>
+          <pc:docMk/>
+          <pc:sldMk cId="3310921234" sldId="270"/>
+        </pc:sldMkLst>
+      </pc:sldChg>
+    </pc:docChg>
+  </pc:docChgLst>
+  <pc:docChgLst>
+    <pc:chgData name="Justin Jones" userId="S::justin.jones@cnpcusa.com::d548d167-3381-4d70-866b-4efa696e272f" providerId="AD" clId="Web-{CEF75B2A-2FE0-2392-5B23-4B7D99657878}"/>
+    <pc:docChg chg="addSld delSld modSld sldOrd">
+      <pc:chgData name="Justin Jones" userId="S::justin.jones@cnpcusa.com::d548d167-3381-4d70-866b-4efa696e272f" providerId="AD" clId="Web-{CEF75B2A-2FE0-2392-5B23-4B7D99657878}" dt="2024-07-23T21:01:40.777" v="40" actId="1076"/>
+      <pc:docMkLst>
+        <pc:docMk/>
+      </pc:docMkLst>
+      <pc:sldChg chg="new del">
+        <pc:chgData name="Justin Jones" userId="S::justin.jones@cnpcusa.com::d548d167-3381-4d70-866b-4efa696e272f" providerId="AD" clId="Web-{CEF75B2A-2FE0-2392-5B23-4B7D99657878}" dt="2024-07-23T20:55:35.073" v="3"/>
+        <pc:sldMkLst>
+          <pc:docMk/>
+          <pc:sldMk cId="356143760" sldId="266"/>
+        </pc:sldMkLst>
+      </pc:sldChg>
+      <pc:sldChg chg="addSp delSp modSp add ord replId">
+        <pc:chgData name="Justin Jones" userId="S::justin.jones@cnpcusa.com::d548d167-3381-4d70-866b-4efa696e272f" providerId="AD" clId="Web-{CEF75B2A-2FE0-2392-5B23-4B7D99657878}" dt="2024-07-23T20:56:35.339" v="11" actId="1076"/>
+        <pc:sldMkLst>
+          <pc:docMk/>
+          <pc:sldMk cId="697871640" sldId="267"/>
+        </pc:sldMkLst>
+        <pc:picChg chg="del mod">
+          <ac:chgData name="Justin Jones" userId="S::justin.jones@cnpcusa.com::d548d167-3381-4d70-866b-4efa696e272f" providerId="AD" clId="Web-{CEF75B2A-2FE0-2392-5B23-4B7D99657878}" dt="2024-07-23T20:56:08.526" v="5"/>
+          <ac:picMkLst>
+            <pc:docMk/>
+            <pc:sldMk cId="697871640" sldId="267"/>
+            <ac:picMk id="4" creationId="{4386DFF2-9920-DF5C-FB69-8A6367C808C4}"/>
+          </ac:picMkLst>
+        </pc:picChg>
+        <pc:picChg chg="add mod">
+          <ac:chgData name="Justin Jones" userId="S::justin.jones@cnpcusa.com::d548d167-3381-4d70-866b-4efa696e272f" providerId="AD" clId="Web-{CEF75B2A-2FE0-2392-5B23-4B7D99657878}" dt="2024-07-23T20:56:35.339" v="11" actId="1076"/>
+          <ac:picMkLst>
+            <pc:docMk/>
+            <pc:sldMk cId="697871640" sldId="267"/>
+            <ac:picMk id="5" creationId="{6DA86D61-D7DF-9730-C840-7021A50FF0C0}"/>
+          </ac:picMkLst>
+        </pc:picChg>
+        <pc:picChg chg="add mod">
+          <ac:chgData name="Justin Jones" userId="S::justin.jones@cnpcusa.com::d548d167-3381-4d70-866b-4efa696e272f" providerId="AD" clId="Web-{CEF75B2A-2FE0-2392-5B23-4B7D99657878}" dt="2024-07-23T20:56:34.480" v="10" actId="1076"/>
+          <ac:picMkLst>
+            <pc:docMk/>
+            <pc:sldMk cId="697871640" sldId="267"/>
+            <ac:picMk id="6" creationId="{7D42DD63-6F31-F200-9C40-E28E7442807E}"/>
+          </ac:picMkLst>
+        </pc:picChg>
+      </pc:sldChg>
+      <pc:sldChg chg="addSp delSp modSp add replId">
+        <pc:chgData name="Justin Jones" userId="S::justin.jones@cnpcusa.com::d548d167-3381-4d70-866b-4efa696e272f" providerId="AD" clId="Web-{CEF75B2A-2FE0-2392-5B23-4B7D99657878}" dt="2024-07-23T21:00:34.090" v="24" actId="1076"/>
+        <pc:sldMkLst>
+          <pc:docMk/>
+          <pc:sldMk cId="1607638349" sldId="268"/>
+        </pc:sldMkLst>
+        <pc:spChg chg="del">
+          <ac:chgData name="Justin Jones" userId="S::justin.jones@cnpcusa.com::d548d167-3381-4d70-866b-4efa696e272f" providerId="AD" clId="Web-{CEF75B2A-2FE0-2392-5B23-4B7D99657878}" dt="2024-07-23T21:00:14.668" v="20"/>
+          <ac:spMkLst>
+            <pc:docMk/>
+            <pc:sldMk cId="1607638349" sldId="268"/>
+            <ac:spMk id="2" creationId="{1F6332E9-69BB-1518-20B0-503139146C67}"/>
+          </ac:spMkLst>
+        </pc:spChg>
+        <pc:spChg chg="del">
+          <ac:chgData name="Justin Jones" userId="S::justin.jones@cnpcusa.com::d548d167-3381-4d70-866b-4efa696e272f" providerId="AD" clId="Web-{CEF75B2A-2FE0-2392-5B23-4B7D99657878}" dt="2024-07-23T21:00:15.871" v="21"/>
+          <ac:spMkLst>
+            <pc:docMk/>
+            <pc:sldMk cId="1607638349" sldId="268"/>
+            <ac:spMk id="3" creationId="{5BFDA1E2-DACB-B107-DE39-D2A1201C9AA5}"/>
+          </ac:spMkLst>
+        </pc:spChg>
+        <pc:spChg chg="add mod">
+          <ac:chgData name="Justin Jones" userId="S::justin.jones@cnpcusa.com::d548d167-3381-4d70-866b-4efa696e272f" providerId="AD" clId="Web-{CEF75B2A-2FE0-2392-5B23-4B7D99657878}" dt="2024-07-23T21:00:14.668" v="20"/>
+          <ac:spMkLst>
+            <pc:docMk/>
+            <pc:sldMk cId="1607638349" sldId="268"/>
+            <ac:spMk id="8" creationId="{A7B45ACD-62C6-6BC3-4475-544FCA48FB55}"/>
+          </ac:spMkLst>
+        </pc:spChg>
+        <pc:spChg chg="add del mod">
+          <ac:chgData name="Justin Jones" userId="S::justin.jones@cnpcusa.com::d548d167-3381-4d70-866b-4efa696e272f" providerId="AD" clId="Web-{CEF75B2A-2FE0-2392-5B23-4B7D99657878}" dt="2024-07-23T21:00:32.402" v="23"/>
+          <ac:spMkLst>
+            <pc:docMk/>
+            <pc:sldMk cId="1607638349" sldId="268"/>
+            <ac:spMk id="10" creationId="{76257473-A0F1-B3A9-D298-D0645ECF2D5D}"/>
+          </ac:spMkLst>
+        </pc:spChg>
+        <pc:picChg chg="add mod">
+          <ac:chgData name="Justin Jones" userId="S::justin.jones@cnpcusa.com::d548d167-3381-4d70-866b-4efa696e272f" providerId="AD" clId="Web-{CEF75B2A-2FE0-2392-5B23-4B7D99657878}" dt="2024-07-23T21:00:19.058" v="22" actId="1076"/>
+          <ac:picMkLst>
+            <pc:docMk/>
+            <pc:sldMk cId="1607638349" sldId="268"/>
+            <ac:picMk id="4" creationId="{07CDD0DB-E3FF-06CB-E274-D220EF504E88}"/>
+          </ac:picMkLst>
+        </pc:picChg>
+        <pc:picChg chg="del">
+          <ac:chgData name="Justin Jones" userId="S::justin.jones@cnpcusa.com::d548d167-3381-4d70-866b-4efa696e272f" providerId="AD" clId="Web-{CEF75B2A-2FE0-2392-5B23-4B7D99657878}" dt="2024-07-23T21:00:06.230" v="15"/>
+          <ac:picMkLst>
+            <pc:docMk/>
+            <pc:sldMk cId="1607638349" sldId="268"/>
+            <ac:picMk id="5" creationId="{6DA86D61-D7DF-9730-C840-7021A50FF0C0}"/>
+          </ac:picMkLst>
+        </pc:picChg>
+        <pc:picChg chg="del mod">
+          <ac:chgData name="Justin Jones" userId="S::justin.jones@cnpcusa.com::d548d167-3381-4d70-866b-4efa696e272f" providerId="AD" clId="Web-{CEF75B2A-2FE0-2392-5B23-4B7D99657878}" dt="2024-07-23T21:00:06.199" v="14"/>
+          <ac:picMkLst>
+            <pc:docMk/>
+            <pc:sldMk cId="1607638349" sldId="268"/>
+            <ac:picMk id="6" creationId="{7D42DD63-6F31-F200-9C40-E28E7442807E}"/>
+          </ac:picMkLst>
+        </pc:picChg>
+        <pc:picChg chg="add mod ord">
+          <ac:chgData name="Justin Jones" userId="S::justin.jones@cnpcusa.com::d548d167-3381-4d70-866b-4efa696e272f" providerId="AD" clId="Web-{CEF75B2A-2FE0-2392-5B23-4B7D99657878}" dt="2024-07-23T21:00:34.090" v="24" actId="1076"/>
+          <ac:picMkLst>
+            <pc:docMk/>
+            <pc:sldMk cId="1607638349" sldId="268"/>
+            <ac:picMk id="11" creationId="{DB743533-C8E7-CB10-7086-0D26F17E137A}"/>
+          </ac:picMkLst>
+        </pc:picChg>
+      </pc:sldChg>
+      <pc:sldChg chg="addSp delSp modSp add replId">
+        <pc:chgData name="Justin Jones" userId="S::justin.jones@cnpcusa.com::d548d167-3381-4d70-866b-4efa696e272f" providerId="AD" clId="Web-{CEF75B2A-2FE0-2392-5B23-4B7D99657878}" dt="2024-07-23T21:01:10.965" v="32" actId="1076"/>
+        <pc:sldMkLst>
+          <pc:docMk/>
+          <pc:sldMk cId="654497372" sldId="269"/>
+        </pc:sldMkLst>
+        <pc:spChg chg="add del mod">
+          <ac:chgData name="Justin Jones" userId="S::justin.jones@cnpcusa.com::d548d167-3381-4d70-866b-4efa696e272f" providerId="AD" clId="Web-{CEF75B2A-2FE0-2392-5B23-4B7D99657878}" dt="2024-07-23T21:01:09.699" v="31"/>
+          <ac:spMkLst>
+            <pc:docMk/>
+            <pc:sldMk cId="654497372" sldId="269"/>
+            <ac:spMk id="5" creationId="{C49AD60D-6A96-5885-01E0-DC33CDEA7A1C}"/>
+          </ac:spMkLst>
+        </pc:spChg>
+        <pc:picChg chg="add mod">
+          <ac:chgData name="Justin Jones" userId="S::justin.jones@cnpcusa.com::d548d167-3381-4d70-866b-4efa696e272f" providerId="AD" clId="Web-{CEF75B2A-2FE0-2392-5B23-4B7D99657878}" dt="2024-07-23T21:00:58.605" v="29" actId="1076"/>
+          <ac:picMkLst>
+            <pc:docMk/>
+            <pc:sldMk cId="654497372" sldId="269"/>
+            <ac:picMk id="2" creationId="{CF4416CC-086B-122A-F851-907D12CACAAC}"/>
+          </ac:picMkLst>
+        </pc:picChg>
+        <pc:picChg chg="del">
+          <ac:chgData name="Justin Jones" userId="S::justin.jones@cnpcusa.com::d548d167-3381-4d70-866b-4efa696e272f" providerId="AD" clId="Web-{CEF75B2A-2FE0-2392-5B23-4B7D99657878}" dt="2024-07-23T21:00:54.558" v="26"/>
+          <ac:picMkLst>
+            <pc:docMk/>
+            <pc:sldMk cId="654497372" sldId="269"/>
+            <ac:picMk id="4" creationId="{07CDD0DB-E3FF-06CB-E274-D220EF504E88}"/>
+          </ac:picMkLst>
+        </pc:picChg>
+        <pc:picChg chg="add mod ord">
+          <ac:chgData name="Justin Jones" userId="S::justin.jones@cnpcusa.com::d548d167-3381-4d70-866b-4efa696e272f" providerId="AD" clId="Web-{CEF75B2A-2FE0-2392-5B23-4B7D99657878}" dt="2024-07-23T21:01:10.965" v="32" actId="1076"/>
+          <ac:picMkLst>
+            <pc:docMk/>
+            <pc:sldMk cId="654497372" sldId="269"/>
+            <ac:picMk id="6" creationId="{FC9F7B51-E80B-0452-72FE-70A0996162D5}"/>
+          </ac:picMkLst>
+        </pc:picChg>
+        <pc:picChg chg="del">
+          <ac:chgData name="Justin Jones" userId="S::justin.jones@cnpcusa.com::d548d167-3381-4d70-866b-4efa696e272f" providerId="AD" clId="Web-{CEF75B2A-2FE0-2392-5B23-4B7D99657878}" dt="2024-07-23T21:00:59.637" v="30"/>
+          <ac:picMkLst>
+            <pc:docMk/>
+            <pc:sldMk cId="654497372" sldId="269"/>
+            <ac:picMk id="11" creationId="{DB743533-C8E7-CB10-7086-0D26F17E137A}"/>
+          </ac:picMkLst>
+        </pc:picChg>
+      </pc:sldChg>
+      <pc:sldChg chg="addSp delSp modSp add replId">
+        <pc:chgData name="Justin Jones" userId="S::justin.jones@cnpcusa.com::d548d167-3381-4d70-866b-4efa696e272f" providerId="AD" clId="Web-{CEF75B2A-2FE0-2392-5B23-4B7D99657878}" dt="2024-07-23T21:01:40.777" v="40" actId="1076"/>
+        <pc:sldMkLst>
+          <pc:docMk/>
+          <pc:sldMk cId="4232817466" sldId="270"/>
+        </pc:sldMkLst>
+        <pc:spChg chg="add del mod">
+          <ac:chgData name="Justin Jones" userId="S::justin.jones@cnpcusa.com::d548d167-3381-4d70-866b-4efa696e272f" providerId="AD" clId="Web-{CEF75B2A-2FE0-2392-5B23-4B7D99657878}" dt="2024-07-23T21:01:28.012" v="36"/>
+          <ac:spMkLst>
+            <pc:docMk/>
+            <pc:sldMk cId="4232817466" sldId="270"/>
+            <ac:spMk id="4" creationId="{9292E6BD-DCF7-A78C-6023-D4E9FC765665}"/>
+          </ac:spMkLst>
+        </pc:spChg>
+        <pc:picChg chg="del">
+          <ac:chgData name="Justin Jones" userId="S::justin.jones@cnpcusa.com::d548d167-3381-4d70-866b-4efa696e272f" providerId="AD" clId="Web-{CEF75B2A-2FE0-2392-5B23-4B7D99657878}" dt="2024-07-23T21:01:25.543" v="34"/>
+          <ac:picMkLst>
+            <pc:docMk/>
+            <pc:sldMk cId="4232817466" sldId="270"/>
+            <ac:picMk id="2" creationId="{CF4416CC-086B-122A-F851-907D12CACAAC}"/>
+          </ac:picMkLst>
+        </pc:picChg>
+        <pc:picChg chg="add mod ord">
+          <ac:chgData name="Justin Jones" userId="S::justin.jones@cnpcusa.com::d548d167-3381-4d70-866b-4efa696e272f" providerId="AD" clId="Web-{CEF75B2A-2FE0-2392-5B23-4B7D99657878}" dt="2024-07-23T21:01:31.215" v="38" actId="14100"/>
+          <ac:picMkLst>
+            <pc:docMk/>
+            <pc:sldMk cId="4232817466" sldId="270"/>
+            <ac:picMk id="5" creationId="{BA25983B-596E-E087-4097-E8C322119E85}"/>
+          </ac:picMkLst>
+        </pc:picChg>
+        <pc:picChg chg="del">
+          <ac:chgData name="Justin Jones" userId="S::justin.jones@cnpcusa.com::d548d167-3381-4d70-866b-4efa696e272f" providerId="AD" clId="Web-{CEF75B2A-2FE0-2392-5B23-4B7D99657878}" dt="2024-07-23T21:01:26.433" v="35"/>
+          <ac:picMkLst>
+            <pc:docMk/>
+            <pc:sldMk cId="4232817466" sldId="270"/>
+            <ac:picMk id="6" creationId="{FC9F7B51-E80B-0452-72FE-70A0996162D5}"/>
+          </ac:picMkLst>
+        </pc:picChg>
+        <pc:picChg chg="add mod">
+          <ac:chgData name="Justin Jones" userId="S::justin.jones@cnpcusa.com::d548d167-3381-4d70-866b-4efa696e272f" providerId="AD" clId="Web-{CEF75B2A-2FE0-2392-5B23-4B7D99657878}" dt="2024-07-23T21:01:40.777" v="40" actId="1076"/>
+          <ac:picMkLst>
+            <pc:docMk/>
+            <pc:sldMk cId="4232817466" sldId="270"/>
+            <ac:picMk id="7" creationId="{90FB89A2-1893-E001-FD98-D7C448D01875}"/>
+          </ac:picMkLst>
+        </pc:picChg>
+      </pc:sldChg>
+    </pc:docChg>
+  </pc:docChgLst>
+</pc:chgInfo>
 </file>
 
 <file path=ppt/slideLayouts/slideLayout1.xml><?xml version="1.0" encoding="utf-8"?>
@@ -259,7 +1210,7 @@
           <a:p>
             <a:fld id="{846CE7D5-CF57-46EF-B807-FDD0502418D4}" type="datetimeFigureOut">
               <a:rPr lang="en-US" smtClean="0"/>
-              <a:t>7/23/2024</a:t>
+              <a:t>7/31/2024</a:t>
             </a:fld>
             <a:endParaRPr lang="en-US"/>
           </a:p>
@@ -429,7 +1380,7 @@
           <a:p>
             <a:fld id="{846CE7D5-CF57-46EF-B807-FDD0502418D4}" type="datetimeFigureOut">
               <a:rPr lang="en-US" smtClean="0"/>
-              <a:t>7/23/2024</a:t>
+              <a:t>7/31/2024</a:t>
             </a:fld>
             <a:endParaRPr lang="en-US"/>
           </a:p>
@@ -609,7 +1560,7 @@
           <a:p>
             <a:fld id="{846CE7D5-CF57-46EF-B807-FDD0502418D4}" type="datetimeFigureOut">
               <a:rPr lang="en-US" smtClean="0"/>
-              <a:t>7/23/2024</a:t>
+              <a:t>7/31/2024</a:t>
             </a:fld>
             <a:endParaRPr lang="en-US"/>
           </a:p>
@@ -779,7 +1730,7 @@
           <a:p>
             <a:fld id="{846CE7D5-CF57-46EF-B807-FDD0502418D4}" type="datetimeFigureOut">
               <a:rPr lang="en-US" smtClean="0"/>
-              <a:t>7/23/2024</a:t>
+              <a:t>7/31/2024</a:t>
             </a:fld>
             <a:endParaRPr lang="en-US"/>
           </a:p>
@@ -1025,7 +1976,7 @@
           <a:p>
             <a:fld id="{846CE7D5-CF57-46EF-B807-FDD0502418D4}" type="datetimeFigureOut">
               <a:rPr lang="en-US" smtClean="0"/>
-              <a:t>7/23/2024</a:t>
+              <a:t>7/31/2024</a:t>
             </a:fld>
             <a:endParaRPr lang="en-US"/>
           </a:p>
@@ -1257,7 +2208,7 @@
           <a:p>
             <a:fld id="{846CE7D5-CF57-46EF-B807-FDD0502418D4}" type="datetimeFigureOut">
               <a:rPr lang="en-US" smtClean="0"/>
-              <a:t>7/23/2024</a:t>
+              <a:t>7/31/2024</a:t>
             </a:fld>
             <a:endParaRPr lang="en-US"/>
           </a:p>
@@ -1624,7 +2575,7 @@
           <a:p>
             <a:fld id="{846CE7D5-CF57-46EF-B807-FDD0502418D4}" type="datetimeFigureOut">
               <a:rPr lang="en-US" smtClean="0"/>
-              <a:t>7/23/2024</a:t>
+              <a:t>7/31/2024</a:t>
             </a:fld>
             <a:endParaRPr lang="en-US"/>
           </a:p>
@@ -1742,7 +2693,7 @@
           <a:p>
             <a:fld id="{846CE7D5-CF57-46EF-B807-FDD0502418D4}" type="datetimeFigureOut">
               <a:rPr lang="en-US" smtClean="0"/>
-              <a:t>7/23/2024</a:t>
+              <a:t>7/31/2024</a:t>
             </a:fld>
             <a:endParaRPr lang="en-US"/>
           </a:p>
@@ -1837,7 +2788,7 @@
           <a:p>
             <a:fld id="{846CE7D5-CF57-46EF-B807-FDD0502418D4}" type="datetimeFigureOut">
               <a:rPr lang="en-US" smtClean="0"/>
-              <a:t>7/23/2024</a:t>
+              <a:t>7/31/2024</a:t>
             </a:fld>
             <a:endParaRPr lang="en-US"/>
           </a:p>
@@ -2114,7 +3065,7 @@
           <a:p>
             <a:fld id="{846CE7D5-CF57-46EF-B807-FDD0502418D4}" type="datetimeFigureOut">
               <a:rPr lang="en-US" smtClean="0"/>
-              <a:t>7/23/2024</a:t>
+              <a:t>7/31/2024</a:t>
             </a:fld>
             <a:endParaRPr lang="en-US"/>
           </a:p>
@@ -2371,7 +3322,7 @@
           <a:p>
             <a:fld id="{846CE7D5-CF57-46EF-B807-FDD0502418D4}" type="datetimeFigureOut">
               <a:rPr lang="en-US" smtClean="0"/>
-              <a:t>7/23/2024</a:t>
+              <a:t>7/31/2024</a:t>
             </a:fld>
             <a:endParaRPr lang="en-US"/>
           </a:p>
@@ -2584,7 +3535,7 @@
           <a:p>
             <a:fld id="{846CE7D5-CF57-46EF-B807-FDD0502418D4}" type="datetimeFigureOut">
               <a:rPr lang="en-US" smtClean="0"/>
-              <a:t>7/23/2024</a:t>
+              <a:t>7/31/2024</a:t>
             </a:fld>
             <a:endParaRPr lang="en-US"/>
           </a:p>
@@ -3043,6 +3994,412 @@
 </p:sld>
 </file>
 
+<file path=ppt/slides/slide10.xml><?xml version="1.0" encoding="utf-8"?>
+<p:sld xmlns:a="http://schemas.openxmlformats.org/drawingml/2006/main" xmlns:r="http://schemas.openxmlformats.org/officeDocument/2006/relationships" xmlns:p="http://schemas.openxmlformats.org/presentationml/2006/main">
+  <p:cSld>
+    <p:spTree>
+      <p:nvGrpSpPr>
+        <p:cNvPr id="1" name=""/>
+        <p:cNvGrpSpPr/>
+        <p:nvPr/>
+      </p:nvGrpSpPr>
+      <p:grpSpPr>
+        <a:xfrm>
+          <a:off x="0" y="0"/>
+          <a:ext cx="0" cy="0"/>
+          <a:chOff x="0" y="0"/>
+          <a:chExt cx="0" cy="0"/>
+        </a:xfrm>
+      </p:grpSpPr>
+      <p:pic>
+        <p:nvPicPr>
+          <p:cNvPr id="4" name="Picture 3" descr="A screenshot of a computer&#10;&#10;Description automatically generated">
+            <a:extLst>
+              <a:ext uri="{FF2B5EF4-FFF2-40B4-BE49-F238E27FC236}">
+                <a16:creationId xmlns:a16="http://schemas.microsoft.com/office/drawing/2014/main" id="{07CDD0DB-E3FF-06CB-E274-D220EF504E88}"/>
+              </a:ext>
+            </a:extLst>
+          </p:cNvPr>
+          <p:cNvPicPr>
+            <a:picLocks noChangeAspect="1"/>
+          </p:cNvPicPr>
+          <p:nvPr/>
+        </p:nvPicPr>
+        <p:blipFill>
+          <a:blip r:embed="rId2"/>
+          <a:stretch>
+            <a:fillRect/>
+          </a:stretch>
+        </p:blipFill>
+        <p:spPr>
+          <a:xfrm>
+            <a:off x="287166" y="906806"/>
+            <a:ext cx="5820290" cy="4550119"/>
+          </a:xfrm>
+          <a:prstGeom prst="rect">
+            <a:avLst/>
+          </a:prstGeom>
+        </p:spPr>
+      </p:pic>
+      <p:sp>
+        <p:nvSpPr>
+          <p:cNvPr id="8" name="Title 7">
+            <a:extLst>
+              <a:ext uri="{FF2B5EF4-FFF2-40B4-BE49-F238E27FC236}">
+                <a16:creationId xmlns:a16="http://schemas.microsoft.com/office/drawing/2014/main" id="{A7B45ACD-62C6-6BC3-4475-544FCA48FB55}"/>
+              </a:ext>
+            </a:extLst>
+          </p:cNvPr>
+          <p:cNvSpPr>
+            <a:spLocks noGrp="1"/>
+          </p:cNvSpPr>
+          <p:nvPr>
+            <p:ph type="title"/>
+          </p:nvPr>
+        </p:nvSpPr>
+        <p:spPr/>
+        <p:txBody>
+          <a:bodyPr/>
+          <a:lstStyle/>
+          <a:p>
+            <a:endParaRPr lang="en-US"/>
+          </a:p>
+        </p:txBody>
+      </p:sp>
+      <p:pic>
+        <p:nvPicPr>
+          <p:cNvPr id="11" name="Content Placeholder 10" descr="A screenshot of a computer&#10;&#10;Description automatically generated">
+            <a:extLst>
+              <a:ext uri="{FF2B5EF4-FFF2-40B4-BE49-F238E27FC236}">
+                <a16:creationId xmlns:a16="http://schemas.microsoft.com/office/drawing/2014/main" id="{DB743533-C8E7-CB10-7086-0D26F17E137A}"/>
+              </a:ext>
+            </a:extLst>
+          </p:cNvPr>
+          <p:cNvPicPr>
+            <a:picLocks noGrp="1" noChangeAspect="1"/>
+          </p:cNvPicPr>
+          <p:nvPr>
+            <p:ph idx="1"/>
+          </p:nvPr>
+        </p:nvPicPr>
+        <p:blipFill>
+          <a:blip r:embed="rId3"/>
+          <a:stretch>
+            <a:fillRect/>
+          </a:stretch>
+        </p:blipFill>
+        <p:spPr>
+          <a:xfrm>
+            <a:off x="6795701" y="1698303"/>
+            <a:ext cx="2781300" cy="3390900"/>
+          </a:xfrm>
+        </p:spPr>
+      </p:pic>
+    </p:spTree>
+    <p:extLst>
+      <p:ext uri="{BB962C8B-B14F-4D97-AF65-F5344CB8AC3E}">
+        <p14:creationId xmlns:p14="http://schemas.microsoft.com/office/powerpoint/2010/main" val="1607638349"/>
+      </p:ext>
+    </p:extLst>
+  </p:cSld>
+  <p:clrMapOvr>
+    <a:masterClrMapping/>
+  </p:clrMapOvr>
+</p:sld>
+</file>
+
+<file path=ppt/slides/slide11.xml><?xml version="1.0" encoding="utf-8"?>
+<p:sld xmlns:a="http://schemas.openxmlformats.org/drawingml/2006/main" xmlns:r="http://schemas.openxmlformats.org/officeDocument/2006/relationships" xmlns:p="http://schemas.openxmlformats.org/presentationml/2006/main">
+  <p:cSld>
+    <p:spTree>
+      <p:nvGrpSpPr>
+        <p:cNvPr id="1" name=""/>
+        <p:cNvGrpSpPr/>
+        <p:nvPr/>
+      </p:nvGrpSpPr>
+      <p:grpSpPr>
+        <a:xfrm>
+          <a:off x="0" y="0"/>
+          <a:ext cx="0" cy="0"/>
+          <a:chOff x="0" y="0"/>
+          <a:chExt cx="0" cy="0"/>
+        </a:xfrm>
+      </p:grpSpPr>
+      <p:sp>
+        <p:nvSpPr>
+          <p:cNvPr id="8" name="Title 7">
+            <a:extLst>
+              <a:ext uri="{FF2B5EF4-FFF2-40B4-BE49-F238E27FC236}">
+                <a16:creationId xmlns:a16="http://schemas.microsoft.com/office/drawing/2014/main" id="{A7B45ACD-62C6-6BC3-4475-544FCA48FB55}"/>
+              </a:ext>
+            </a:extLst>
+          </p:cNvPr>
+          <p:cNvSpPr>
+            <a:spLocks noGrp="1"/>
+          </p:cNvSpPr>
+          <p:nvPr>
+            <p:ph type="title"/>
+          </p:nvPr>
+        </p:nvSpPr>
+        <p:spPr/>
+        <p:txBody>
+          <a:bodyPr/>
+          <a:lstStyle/>
+          <a:p>
+            <a:endParaRPr lang="en-US"/>
+          </a:p>
+        </p:txBody>
+      </p:sp>
+      <p:pic>
+        <p:nvPicPr>
+          <p:cNvPr id="2" name="Picture 1" descr="A screenshot of a computer&#10;&#10;Description automatically generated">
+            <a:extLst>
+              <a:ext uri="{FF2B5EF4-FFF2-40B4-BE49-F238E27FC236}">
+                <a16:creationId xmlns:a16="http://schemas.microsoft.com/office/drawing/2014/main" id="{CF4416CC-086B-122A-F851-907D12CACAAC}"/>
+              </a:ext>
+            </a:extLst>
+          </p:cNvPr>
+          <p:cNvPicPr>
+            <a:picLocks noChangeAspect="1"/>
+          </p:cNvPicPr>
+          <p:nvPr/>
+        </p:nvPicPr>
+        <p:blipFill>
+          <a:blip r:embed="rId2"/>
+          <a:stretch>
+            <a:fillRect/>
+          </a:stretch>
+        </p:blipFill>
+        <p:spPr>
+          <a:xfrm>
+            <a:off x="317928" y="709226"/>
+            <a:ext cx="6613440" cy="5367467"/>
+          </a:xfrm>
+          <a:prstGeom prst="rect">
+            <a:avLst/>
+          </a:prstGeom>
+        </p:spPr>
+      </p:pic>
+      <p:pic>
+        <p:nvPicPr>
+          <p:cNvPr id="6" name="Content Placeholder 5" descr="A screenshot of a computer&#10;&#10;Description automatically generated">
+            <a:extLst>
+              <a:ext uri="{FF2B5EF4-FFF2-40B4-BE49-F238E27FC236}">
+                <a16:creationId xmlns:a16="http://schemas.microsoft.com/office/drawing/2014/main" id="{FC9F7B51-E80B-0452-72FE-70A0996162D5}"/>
+              </a:ext>
+            </a:extLst>
+          </p:cNvPr>
+          <p:cNvPicPr>
+            <a:picLocks noGrp="1" noChangeAspect="1"/>
+          </p:cNvPicPr>
+          <p:nvPr>
+            <p:ph idx="1"/>
+          </p:nvPr>
+        </p:nvPicPr>
+        <p:blipFill>
+          <a:blip r:embed="rId3"/>
+          <a:stretch>
+            <a:fillRect/>
+          </a:stretch>
+        </p:blipFill>
+        <p:spPr>
+          <a:xfrm>
+            <a:off x="7823500" y="1912745"/>
+            <a:ext cx="3114675" cy="3600450"/>
+          </a:xfrm>
+        </p:spPr>
+      </p:pic>
+    </p:spTree>
+    <p:extLst>
+      <p:ext uri="{BB962C8B-B14F-4D97-AF65-F5344CB8AC3E}">
+        <p14:creationId xmlns:p14="http://schemas.microsoft.com/office/powerpoint/2010/main" val="654497372"/>
+      </p:ext>
+    </p:extLst>
+  </p:cSld>
+  <p:clrMapOvr>
+    <a:masterClrMapping/>
+  </p:clrMapOvr>
+</p:sld>
+</file>
+
+<file path=ppt/slides/slide12.xml><?xml version="1.0" encoding="utf-8"?>
+<p:sld xmlns:a="http://schemas.openxmlformats.org/drawingml/2006/main" xmlns:r="http://schemas.openxmlformats.org/officeDocument/2006/relationships" xmlns:p="http://schemas.openxmlformats.org/presentationml/2006/main">
+  <p:cSld>
+    <p:spTree>
+      <p:nvGrpSpPr>
+        <p:cNvPr id="1" name=""/>
+        <p:cNvGrpSpPr/>
+        <p:nvPr/>
+      </p:nvGrpSpPr>
+      <p:grpSpPr>
+        <a:xfrm>
+          <a:off x="0" y="0"/>
+          <a:ext cx="0" cy="0"/>
+          <a:chOff x="0" y="0"/>
+          <a:chExt cx="0" cy="0"/>
+        </a:xfrm>
+      </p:grpSpPr>
+      <p:sp>
+        <p:nvSpPr>
+          <p:cNvPr id="8" name="Title 7">
+            <a:extLst>
+              <a:ext uri="{FF2B5EF4-FFF2-40B4-BE49-F238E27FC236}">
+                <a16:creationId xmlns:a16="http://schemas.microsoft.com/office/drawing/2014/main" id="{A7B45ACD-62C6-6BC3-4475-544FCA48FB55}"/>
+              </a:ext>
+            </a:extLst>
+          </p:cNvPr>
+          <p:cNvSpPr>
+            <a:spLocks noGrp="1"/>
+          </p:cNvSpPr>
+          <p:nvPr>
+            <p:ph type="title"/>
+          </p:nvPr>
+        </p:nvSpPr>
+        <p:spPr/>
+        <p:txBody>
+          <a:bodyPr/>
+          <a:lstStyle/>
+          <a:p>
+            <a:endParaRPr lang="en-US"/>
+          </a:p>
+        </p:txBody>
+      </p:sp>
+      <p:pic>
+        <p:nvPicPr>
+          <p:cNvPr id="5" name="Content Placeholder 4" descr="A screenshot of a computer&#10;&#10;Description automatically generated">
+            <a:extLst>
+              <a:ext uri="{FF2B5EF4-FFF2-40B4-BE49-F238E27FC236}">
+                <a16:creationId xmlns:a16="http://schemas.microsoft.com/office/drawing/2014/main" id="{BA25983B-596E-E087-4097-E8C322119E85}"/>
+              </a:ext>
+            </a:extLst>
+          </p:cNvPr>
+          <p:cNvPicPr>
+            <a:picLocks noGrp="1" noChangeAspect="1"/>
+          </p:cNvPicPr>
+          <p:nvPr>
+            <p:ph idx="1"/>
+          </p:nvPr>
+        </p:nvPicPr>
+        <p:blipFill>
+          <a:blip r:embed="rId2"/>
+          <a:stretch>
+            <a:fillRect/>
+          </a:stretch>
+        </p:blipFill>
+        <p:spPr>
+          <a:xfrm>
+            <a:off x="246506" y="1115112"/>
+            <a:ext cx="7271148" cy="5175121"/>
+          </a:xfrm>
+        </p:spPr>
+      </p:pic>
+      <p:pic>
+        <p:nvPicPr>
+          <p:cNvPr id="7" name="Picture 6" descr="A screenshot of a computer&#10;&#10;Description automatically generated">
+            <a:extLst>
+              <a:ext uri="{FF2B5EF4-FFF2-40B4-BE49-F238E27FC236}">
+                <a16:creationId xmlns:a16="http://schemas.microsoft.com/office/drawing/2014/main" id="{90FB89A2-1893-E001-FD98-D7C448D01875}"/>
+              </a:ext>
+            </a:extLst>
+          </p:cNvPr>
+          <p:cNvPicPr>
+            <a:picLocks noChangeAspect="1"/>
+          </p:cNvPicPr>
+          <p:nvPr/>
+        </p:nvPicPr>
+        <p:blipFill>
+          <a:blip r:embed="rId3"/>
+          <a:stretch>
+            <a:fillRect/>
+          </a:stretch>
+        </p:blipFill>
+        <p:spPr>
+          <a:xfrm>
+            <a:off x="8543023" y="2245196"/>
+            <a:ext cx="2828925" cy="3438525"/>
+          </a:xfrm>
+          <a:prstGeom prst="rect">
+            <a:avLst/>
+          </a:prstGeom>
+        </p:spPr>
+      </p:pic>
+    </p:spTree>
+    <p:extLst>
+      <p:ext uri="{BB962C8B-B14F-4D97-AF65-F5344CB8AC3E}">
+        <p14:creationId xmlns:p14="http://schemas.microsoft.com/office/powerpoint/2010/main" val="4232817466"/>
+      </p:ext>
+    </p:extLst>
+  </p:cSld>
+  <p:clrMapOvr>
+    <a:masterClrMapping/>
+  </p:clrMapOvr>
+</p:sld>
+</file>
+
+<file path=ppt/slides/slide13.xml><?xml version="1.0" encoding="utf-8"?>
+<p:sld xmlns:a="http://schemas.openxmlformats.org/drawingml/2006/main" xmlns:r="http://schemas.openxmlformats.org/officeDocument/2006/relationships" xmlns:p="http://schemas.openxmlformats.org/presentationml/2006/main">
+  <p:cSld>
+    <p:spTree>
+      <p:nvGrpSpPr>
+        <p:cNvPr id="1" name=""/>
+        <p:cNvGrpSpPr/>
+        <p:nvPr/>
+      </p:nvGrpSpPr>
+      <p:grpSpPr>
+        <a:xfrm>
+          <a:off x="0" y="0"/>
+          <a:ext cx="0" cy="0"/>
+          <a:chOff x="0" y="0"/>
+          <a:chExt cx="0" cy="0"/>
+        </a:xfrm>
+      </p:grpSpPr>
+      <p:sp>
+        <p:nvSpPr>
+          <p:cNvPr id="2" name="Title 1">
+            <a:extLst>
+              <a:ext uri="{FF2B5EF4-FFF2-40B4-BE49-F238E27FC236}">
+                <a16:creationId xmlns:a16="http://schemas.microsoft.com/office/drawing/2014/main" id="{16055984-C5B8-5B84-88F9-FBAD33C2F368}"/>
+              </a:ext>
+            </a:extLst>
+          </p:cNvPr>
+          <p:cNvSpPr>
+            <a:spLocks noGrp="1"/>
+          </p:cNvSpPr>
+          <p:nvPr>
+            <p:ph type="title"/>
+          </p:nvPr>
+        </p:nvSpPr>
+        <p:spPr>
+          <a:xfrm>
+            <a:off x="838200" y="2769366"/>
+            <a:ext cx="10515600" cy="1325563"/>
+          </a:xfrm>
+        </p:spPr>
+        <p:txBody>
+          <a:bodyPr/>
+          <a:lstStyle/>
+          <a:p>
+            <a:pPr algn="ctr"/>
+            <a:r>
+              <a:rPr lang="en-US" dirty="0"/>
+              <a:t>Last Slide</a:t>
+            </a:r>
+          </a:p>
+        </p:txBody>
+      </p:sp>
+    </p:spTree>
+    <p:extLst>
+      <p:ext uri="{BB962C8B-B14F-4D97-AF65-F5344CB8AC3E}">
+        <p14:creationId xmlns:p14="http://schemas.microsoft.com/office/powerpoint/2010/main" val="3614653100"/>
+      </p:ext>
+    </p:extLst>
+  </p:cSld>
+  <p:clrMapOvr>
+    <a:masterClrMapping/>
+  </p:clrMapOvr>
+</p:sld>
+</file>
+
 <file path=ppt/slides/slide2.xml><?xml version="1.0" encoding="utf-8"?>
 <p:sld xmlns:a="http://schemas.openxmlformats.org/drawingml/2006/main" xmlns:r="http://schemas.openxmlformats.org/officeDocument/2006/relationships" xmlns:p="http://schemas.openxmlformats.org/presentationml/2006/main">
   <p:cSld>
@@ -4164,7 +5521,7 @@
           <p:cNvPr id="2" name="Title 1">
             <a:extLst>
               <a:ext uri="{FF2B5EF4-FFF2-40B4-BE49-F238E27FC236}">
-                <a16:creationId xmlns:a16="http://schemas.microsoft.com/office/drawing/2014/main" id="{16055984-C5B8-5B84-88F9-FBAD33C2F368}"/>
+                <a16:creationId xmlns:a16="http://schemas.microsoft.com/office/drawing/2014/main" id="{1F6332E9-69BB-1518-20B0-503139146C67}"/>
               </a:ext>
             </a:extLst>
           </p:cNvPr>
@@ -4175,28 +5532,166 @@
             <p:ph type="title"/>
           </p:nvPr>
         </p:nvSpPr>
+        <p:spPr/>
+        <p:txBody>
+          <a:bodyPr>
+            <a:normAutofit/>
+          </a:bodyPr>
+          <a:lstStyle/>
+          <a:p>
+            <a:r>
+              <a:rPr lang="en-US" sz="3600" dirty="0"/>
+              <a:t>Orienting Coordinate System</a:t>
+            </a:r>
+          </a:p>
+        </p:txBody>
+      </p:sp>
+      <p:sp>
+        <p:nvSpPr>
+          <p:cNvPr id="3" name="Content Placeholder 2">
+            <a:extLst>
+              <a:ext uri="{FF2B5EF4-FFF2-40B4-BE49-F238E27FC236}">
+                <a16:creationId xmlns:a16="http://schemas.microsoft.com/office/drawing/2014/main" id="{5BFDA1E2-DACB-B107-DE39-D2A1201C9AA5}"/>
+              </a:ext>
+            </a:extLst>
+          </p:cNvPr>
+          <p:cNvSpPr>
+            <a:spLocks noGrp="1"/>
+          </p:cNvSpPr>
+          <p:nvPr>
+            <p:ph idx="1"/>
+          </p:nvPr>
+        </p:nvSpPr>
         <p:spPr>
           <a:xfrm>
-            <a:off x="838200" y="2769366"/>
-            <a:ext cx="10515600" cy="1325563"/>
+            <a:off x="838200" y="1751284"/>
+            <a:ext cx="10515600" cy="4351338"/>
           </a:xfrm>
         </p:spPr>
         <p:txBody>
-          <a:bodyPr/>
-          <a:lstStyle/>
-          <a:p>
-            <a:pPr algn="ctr"/>
-            <a:r>
-              <a:rPr lang="en-US" dirty="0"/>
-              <a:t>Last Slide</a:t>
-            </a:r>
-          </a:p>
-        </p:txBody>
-      </p:sp>
+          <a:bodyPr vert="horz" lIns="91440" tIns="45720" rIns="91440" bIns="45720" rtlCol="0" anchor="t">
+            <a:normAutofit/>
+          </a:bodyPr>
+          <a:lstStyle/>
+          <a:p>
+            <a:pPr marL="342900" indent="-342900">
+              <a:buAutoNum type="arabicPeriod"/>
+            </a:pPr>
+            <a:r>
+              <a:rPr lang="en-US" sz="1600" dirty="0">
+                <a:ea typeface="+mn-lt"/>
+                <a:cs typeface="+mn-lt"/>
+              </a:rPr>
+              <a:t>Set Orientation Objects</a:t>
+            </a:r>
+            <a:endParaRPr lang="en-US" dirty="0"/>
+          </a:p>
+          <a:p>
+            <a:pPr marL="342900" indent="-342900">
+              <a:buAutoNum type="arabicPeriod"/>
+            </a:pPr>
+            <a:r>
+              <a:rPr lang="en-US" sz="1600" dirty="0"/>
+              <a:t>Match Axis Orientation as shown on next slides (Use Flip)</a:t>
+            </a:r>
+          </a:p>
+          <a:p>
+            <a:pPr marL="800100" lvl="1" indent="-342900">
+              <a:buFont typeface="Courier New"/>
+              <a:buChar char="o"/>
+            </a:pPr>
+            <a:r>
+              <a:rPr lang="en-US" sz="1600" dirty="0"/>
+              <a:t>X axis set normal to cutter face</a:t>
+            </a:r>
+          </a:p>
+          <a:p>
+            <a:pPr marL="800100" lvl="1" indent="-342900">
+              <a:buFont typeface="Courier New"/>
+              <a:buChar char="o"/>
+            </a:pPr>
+            <a:r>
+              <a:rPr lang="en-US" sz="1600" dirty="0"/>
+              <a:t>Y axis pointing to right when looking into X axis with Z axis pointing up</a:t>
+            </a:r>
+          </a:p>
+          <a:p>
+            <a:pPr marL="800100" lvl="1" indent="-342900">
+              <a:buFont typeface="Courier New"/>
+              <a:buChar char="o"/>
+            </a:pPr>
+            <a:r>
+              <a:rPr lang="en-US" sz="1600" dirty="0"/>
+              <a:t>Z axis set normal to cutting contact point</a:t>
+            </a:r>
+            <a:endParaRPr lang="en-US"/>
+          </a:p>
+        </p:txBody>
+      </p:sp>
+      <p:pic>
+        <p:nvPicPr>
+          <p:cNvPr id="5" name="Picture 4" descr="A screenshot of a computer&#10;&#10;Description automatically generated">
+            <a:extLst>
+              <a:ext uri="{FF2B5EF4-FFF2-40B4-BE49-F238E27FC236}">
+                <a16:creationId xmlns:a16="http://schemas.microsoft.com/office/drawing/2014/main" id="{6DA86D61-D7DF-9730-C840-7021A50FF0C0}"/>
+              </a:ext>
+            </a:extLst>
+          </p:cNvPr>
+          <p:cNvPicPr>
+            <a:picLocks noChangeAspect="1"/>
+          </p:cNvPicPr>
+          <p:nvPr/>
+        </p:nvPicPr>
+        <p:blipFill>
+          <a:blip r:embed="rId2"/>
+          <a:stretch>
+            <a:fillRect/>
+          </a:stretch>
+        </p:blipFill>
+        <p:spPr>
+          <a:xfrm>
+            <a:off x="6618331" y="1030115"/>
+            <a:ext cx="2724150" cy="4200525"/>
+          </a:xfrm>
+          <a:prstGeom prst="rect">
+            <a:avLst/>
+          </a:prstGeom>
+        </p:spPr>
+      </p:pic>
+      <p:pic>
+        <p:nvPicPr>
+          <p:cNvPr id="6" name="Picture 5" descr="A screenshot of a computer&#10;&#10;Description automatically generated">
+            <a:extLst>
+              <a:ext uri="{FF2B5EF4-FFF2-40B4-BE49-F238E27FC236}">
+                <a16:creationId xmlns:a16="http://schemas.microsoft.com/office/drawing/2014/main" id="{7D42DD63-6F31-F200-9C40-E28E7442807E}"/>
+              </a:ext>
+            </a:extLst>
+          </p:cNvPr>
+          <p:cNvPicPr>
+            <a:picLocks noChangeAspect="1"/>
+          </p:cNvPicPr>
+          <p:nvPr/>
+        </p:nvPicPr>
+        <p:blipFill>
+          <a:blip r:embed="rId3"/>
+          <a:stretch>
+            <a:fillRect/>
+          </a:stretch>
+        </p:blipFill>
+        <p:spPr>
+          <a:xfrm>
+            <a:off x="9556278" y="1035136"/>
+            <a:ext cx="2676525" cy="3943350"/>
+          </a:xfrm>
+          <a:prstGeom prst="rect">
+            <a:avLst/>
+          </a:prstGeom>
+        </p:spPr>
+      </p:pic>
     </p:spTree>
     <p:extLst>
       <p:ext uri="{BB962C8B-B14F-4D97-AF65-F5344CB8AC3E}">
-        <p14:creationId xmlns:p14="http://schemas.microsoft.com/office/powerpoint/2010/main" val="3614653100"/>
+        <p14:creationId xmlns:p14="http://schemas.microsoft.com/office/powerpoint/2010/main" val="697871640"/>
       </p:ext>
     </p:extLst>
   </p:cSld>
